--- a/docs/diagrams/SummarySequenceDiagram2.pptx
+++ b/docs/diagrams/SummarySequenceDiagram2.pptx
@@ -197,7 +197,7 @@
           <a:p>
             <a:fld id="{8CC2A4DC-75EB-46D4-9B4A-352FC9F115CD}" type="datetimeFigureOut">
               <a:rPr lang="en-US" smtClean="0"/>
-              <a:t>4/2/2019</a:t>
+              <a:t>4/13/2019</a:t>
             </a:fld>
             <a:endParaRPr lang="en-US" dirty="0"/>
           </a:p>
@@ -611,7 +611,7 @@
           <a:p>
             <a:fld id="{C17442BA-8611-45A4-B205-589CF9359DD4}" type="datetimeFigureOut">
               <a:rPr lang="en-US" smtClean="0"/>
-              <a:t>4/2/2019</a:t>
+              <a:t>4/13/2019</a:t>
             </a:fld>
             <a:endParaRPr lang="en-US" dirty="0"/>
           </a:p>
@@ -809,7 +809,7 @@
           <a:p>
             <a:fld id="{C17442BA-8611-45A4-B205-589CF9359DD4}" type="datetimeFigureOut">
               <a:rPr lang="en-US" smtClean="0"/>
-              <a:t>4/2/2019</a:t>
+              <a:t>4/13/2019</a:t>
             </a:fld>
             <a:endParaRPr lang="en-US" dirty="0"/>
           </a:p>
@@ -1017,7 +1017,7 @@
           <a:p>
             <a:fld id="{C17442BA-8611-45A4-B205-589CF9359DD4}" type="datetimeFigureOut">
               <a:rPr lang="en-US" smtClean="0"/>
-              <a:t>4/2/2019</a:t>
+              <a:t>4/13/2019</a:t>
             </a:fld>
             <a:endParaRPr lang="en-US" dirty="0"/>
           </a:p>
@@ -1215,7 +1215,7 @@
           <a:p>
             <a:fld id="{C17442BA-8611-45A4-B205-589CF9359DD4}" type="datetimeFigureOut">
               <a:rPr lang="en-US" smtClean="0"/>
-              <a:t>4/2/2019</a:t>
+              <a:t>4/13/2019</a:t>
             </a:fld>
             <a:endParaRPr lang="en-US" dirty="0"/>
           </a:p>
@@ -1490,7 +1490,7 @@
           <a:p>
             <a:fld id="{C17442BA-8611-45A4-B205-589CF9359DD4}" type="datetimeFigureOut">
               <a:rPr lang="en-US" smtClean="0"/>
-              <a:t>4/2/2019</a:t>
+              <a:t>4/13/2019</a:t>
             </a:fld>
             <a:endParaRPr lang="en-US" dirty="0"/>
           </a:p>
@@ -1755,7 +1755,7 @@
           <a:p>
             <a:fld id="{C17442BA-8611-45A4-B205-589CF9359DD4}" type="datetimeFigureOut">
               <a:rPr lang="en-US" smtClean="0"/>
-              <a:t>4/2/2019</a:t>
+              <a:t>4/13/2019</a:t>
             </a:fld>
             <a:endParaRPr lang="en-US" dirty="0"/>
           </a:p>
@@ -2167,7 +2167,7 @@
           <a:p>
             <a:fld id="{C17442BA-8611-45A4-B205-589CF9359DD4}" type="datetimeFigureOut">
               <a:rPr lang="en-US" smtClean="0"/>
-              <a:t>4/2/2019</a:t>
+              <a:t>4/13/2019</a:t>
             </a:fld>
             <a:endParaRPr lang="en-US" dirty="0"/>
           </a:p>
@@ -2308,7 +2308,7 @@
           <a:p>
             <a:fld id="{C17442BA-8611-45A4-B205-589CF9359DD4}" type="datetimeFigureOut">
               <a:rPr lang="en-US" smtClean="0"/>
-              <a:t>4/2/2019</a:t>
+              <a:t>4/13/2019</a:t>
             </a:fld>
             <a:endParaRPr lang="en-US" dirty="0"/>
           </a:p>
@@ -2421,7 +2421,7 @@
           <a:p>
             <a:fld id="{C17442BA-8611-45A4-B205-589CF9359DD4}" type="datetimeFigureOut">
               <a:rPr lang="en-US" smtClean="0"/>
-              <a:t>4/2/2019</a:t>
+              <a:t>4/13/2019</a:t>
             </a:fld>
             <a:endParaRPr lang="en-US" dirty="0"/>
           </a:p>
@@ -2732,7 +2732,7 @@
           <a:p>
             <a:fld id="{C17442BA-8611-45A4-B205-589CF9359DD4}" type="datetimeFigureOut">
               <a:rPr lang="en-US" smtClean="0"/>
-              <a:t>4/2/2019</a:t>
+              <a:t>4/13/2019</a:t>
             </a:fld>
             <a:endParaRPr lang="en-US" dirty="0"/>
           </a:p>
@@ -3020,7 +3020,7 @@
           <a:p>
             <a:fld id="{C17442BA-8611-45A4-B205-589CF9359DD4}" type="datetimeFigureOut">
               <a:rPr lang="en-US" smtClean="0"/>
-              <a:t>4/2/2019</a:t>
+              <a:t>4/13/2019</a:t>
             </a:fld>
             <a:endParaRPr lang="en-US" dirty="0"/>
           </a:p>
@@ -3261,7 +3261,7 @@
           <a:p>
             <a:fld id="{C17442BA-8611-45A4-B205-589CF9359DD4}" type="datetimeFigureOut">
               <a:rPr lang="en-US" smtClean="0"/>
-              <a:t>4/2/2019</a:t>
+              <a:t>4/13/2019</a:t>
             </a:fld>
             <a:endParaRPr lang="en-US" dirty="0"/>
           </a:p>
@@ -3692,7 +3692,7 @@
         </p:nvSpPr>
         <p:spPr>
           <a:xfrm>
-            <a:off x="-406366" y="-1619250"/>
+            <a:off x="-449293" y="-1611501"/>
             <a:ext cx="15284416" cy="11029950"/>
           </a:xfrm>
           <a:prstGeom prst="roundRect">
@@ -4055,8 +4055,8 @@
         </p:nvSpPr>
         <p:spPr>
           <a:xfrm>
-            <a:off x="4425069" y="3791703"/>
-            <a:ext cx="1219200" cy="467684"/>
+            <a:off x="4238207" y="3776827"/>
+            <a:ext cx="1514338" cy="467677"/>
           </a:xfrm>
           <a:prstGeom prst="rect">
             <a:avLst/>
@@ -4104,7 +4104,7 @@
                   <a:schemeClr val="bg1"/>
                 </a:solidFill>
               </a:rPr>
-              <a:t>GraphPanel</a:t>
+              <a:t>SummaryPanel</a:t>
             </a:r>
             <a:endParaRPr lang="en-SG" sz="1600" dirty="0">
               <a:solidFill>
@@ -4267,13 +4267,12 @@
           </p:cNvPr>
           <p:cNvCxnSpPr>
             <a:cxnSpLocks/>
-            <a:stCxn id="11" idx="0"/>
           </p:cNvCxnSpPr>
           <p:nvPr/>
         </p:nvCxnSpPr>
         <p:spPr>
           <a:xfrm>
-            <a:off x="2731179" y="757055"/>
+            <a:off x="2738928" y="772553"/>
             <a:ext cx="2231072" cy="0"/>
           </a:xfrm>
           <a:prstGeom prst="straightConnector1">
@@ -4341,12 +4340,20 @@
           </a:lstStyle>
           <a:p>
             <a:r>
+              <a:rPr lang="en-US" dirty="0" err="1">
+                <a:solidFill>
+                  <a:srgbClr val="00B050"/>
+                </a:solidFill>
+              </a:rPr>
+              <a:t>setData</a:t>
+            </a:r>
+            <a:r>
               <a:rPr lang="en-US" dirty="0">
                 <a:solidFill>
                   <a:srgbClr val="00B050"/>
                 </a:solidFill>
               </a:rPr>
-              <a:t>execute()</a:t>
+              <a:t>()</a:t>
             </a:r>
           </a:p>
         </p:txBody>
@@ -4409,8 +4416,8 @@
         </p:nvSpPr>
         <p:spPr>
           <a:xfrm>
-            <a:off x="2864278" y="510424"/>
-            <a:ext cx="1391716" cy="215444"/>
+            <a:off x="2801074" y="540142"/>
+            <a:ext cx="1867921" cy="215444"/>
           </a:xfrm>
           <a:prstGeom prst="rect">
             <a:avLst/>
@@ -4435,19 +4442,11 @@
           </a:lstStyle>
           <a:p>
             <a:r>
-              <a:rPr lang="en-US" dirty="0" err="1">
-                <a:solidFill>
-                  <a:srgbClr val="00B050"/>
-                </a:solidFill>
-              </a:rPr>
-              <a:t>getTotalBudget</a:t>
-            </a:r>
-            <a:r>
-              <a:rPr lang="en-US" dirty="0">
-                <a:solidFill>
-                  <a:srgbClr val="00B050"/>
-                </a:solidFill>
-              </a:rPr>
+              <a:rPr lang="en-US" dirty="0" err="1"/>
+              <a:t>getRecordSummary</a:t>
+            </a:r>
+            <a:r>
+              <a:rPr lang="en-US" dirty="0"/>
               <a:t>()</a:t>
             </a:r>
           </a:p>
@@ -4455,10 +4454,10 @@
       </p:sp>
       <p:cxnSp>
         <p:nvCxnSpPr>
-          <p:cNvPr id="41" name="Straight Arrow Connector 51">
-            <a:extLst>
-              <a:ext uri="{FF2B5EF4-FFF2-40B4-BE49-F238E27FC236}">
-                <a16:creationId xmlns:a16="http://schemas.microsoft.com/office/drawing/2014/main" id="{08011156-42E2-4A4A-9CE4-CA975D1CCF7B}"/>
+          <p:cNvPr id="46" name="Straight Arrow Connector 61">
+            <a:extLst>
+              <a:ext uri="{FF2B5EF4-FFF2-40B4-BE49-F238E27FC236}">
+                <a16:creationId xmlns:a16="http://schemas.microsoft.com/office/drawing/2014/main" id="{7F2A4C92-0768-4B06-B975-D4D3BC8739CC}"/>
               </a:ext>
             </a:extLst>
           </p:cNvPr>
@@ -4468,54 +4467,8 @@
           <p:nvPr/>
         </p:nvCxnSpPr>
         <p:spPr>
-          <a:xfrm>
-            <a:off x="2824641" y="2493922"/>
-            <a:ext cx="2137610" cy="0"/>
-          </a:xfrm>
-          <a:prstGeom prst="straightConnector1">
-            <a:avLst/>
-          </a:prstGeom>
-          <a:ln w="19050">
-            <a:solidFill>
-              <a:srgbClr val="0070C0"/>
-            </a:solidFill>
-            <a:prstDash val="sysDash"/>
-            <a:headEnd type="arrow" w="med" len="med"/>
-            <a:tailEnd type="none" w="med" len="med"/>
-          </a:ln>
-        </p:spPr>
-        <p:style>
-          <a:lnRef idx="1">
-            <a:schemeClr val="accent1"/>
-          </a:lnRef>
-          <a:fillRef idx="0">
-            <a:schemeClr val="accent1"/>
-          </a:fillRef>
-          <a:effectRef idx="0">
-            <a:schemeClr val="accent1"/>
-          </a:effectRef>
-          <a:fontRef idx="minor">
-            <a:schemeClr val="tx1"/>
-          </a:fontRef>
-        </p:style>
-      </p:cxnSp>
-      <p:cxnSp>
-        <p:nvCxnSpPr>
-          <p:cNvPr id="46" name="Straight Arrow Connector 61">
-            <a:extLst>
-              <a:ext uri="{FF2B5EF4-FFF2-40B4-BE49-F238E27FC236}">
-                <a16:creationId xmlns:a16="http://schemas.microsoft.com/office/drawing/2014/main" id="{7F2A4C92-0768-4B06-B975-D4D3BC8739CC}"/>
-              </a:ext>
-            </a:extLst>
-          </p:cNvPr>
-          <p:cNvCxnSpPr>
-            <a:cxnSpLocks/>
-          </p:cNvCxnSpPr>
-          <p:nvPr/>
-        </p:nvCxnSpPr>
-        <p:spPr>
           <a:xfrm flipV="1">
-            <a:off x="5105670" y="5069714"/>
+            <a:off x="5091658" y="4783534"/>
             <a:ext cx="1984200" cy="1"/>
           </a:xfrm>
           <a:prstGeom prst="straightConnector1">
@@ -4650,8 +4603,8 @@
         </p:nvSpPr>
         <p:spPr>
           <a:xfrm>
-            <a:off x="4976897" y="751612"/>
-            <a:ext cx="207920" cy="581276"/>
+            <a:off x="4962251" y="751612"/>
+            <a:ext cx="222566" cy="300576"/>
           </a:xfrm>
           <a:prstGeom prst="rect">
             <a:avLst/>
@@ -4886,8 +4839,8 @@
         </p:nvSpPr>
         <p:spPr>
           <a:xfrm>
-            <a:off x="7092116" y="5072014"/>
-            <a:ext cx="221811" cy="454519"/>
+            <a:off x="7067934" y="4783659"/>
+            <a:ext cx="224057" cy="187220"/>
           </a:xfrm>
           <a:prstGeom prst="rect">
             <a:avLst/>
@@ -4925,109 +4878,12 @@
           </a:p>
         </p:txBody>
       </p:sp>
-      <p:cxnSp>
-        <p:nvCxnSpPr>
-          <p:cNvPr id="86" name="Straight Arrow Connector 61">
-            <a:extLst>
-              <a:ext uri="{FF2B5EF4-FFF2-40B4-BE49-F238E27FC236}">
-                <a16:creationId xmlns:a16="http://schemas.microsoft.com/office/drawing/2014/main" id="{34F346ED-93D1-41B4-9ADF-000B1FC72D27}"/>
-              </a:ext>
-            </a:extLst>
-          </p:cNvPr>
-          <p:cNvCxnSpPr>
-            <a:cxnSpLocks/>
-          </p:cNvCxnSpPr>
-          <p:nvPr/>
-        </p:nvCxnSpPr>
-        <p:spPr>
-          <a:xfrm flipV="1">
-            <a:off x="5083734" y="6139884"/>
-            <a:ext cx="1984200" cy="1"/>
-          </a:xfrm>
-          <a:prstGeom prst="straightConnector1">
-            <a:avLst/>
-          </a:prstGeom>
-          <a:ln w="19050">
-            <a:solidFill>
-              <a:srgbClr val="00B050"/>
-            </a:solidFill>
-            <a:tailEnd type="arrow"/>
-          </a:ln>
-        </p:spPr>
-        <p:style>
-          <a:lnRef idx="1">
-            <a:schemeClr val="accent1"/>
-          </a:lnRef>
-          <a:fillRef idx="0">
-            <a:schemeClr val="accent1"/>
-          </a:fillRef>
-          <a:effectRef idx="0">
-            <a:schemeClr val="accent1"/>
-          </a:effectRef>
-          <a:fontRef idx="minor">
-            <a:schemeClr val="tx1"/>
-          </a:fontRef>
-        </p:style>
-      </p:cxnSp>
-      <p:sp>
-        <p:nvSpPr>
-          <p:cNvPr id="87" name="Rectangle 17">
-            <a:extLst>
-              <a:ext uri="{FF2B5EF4-FFF2-40B4-BE49-F238E27FC236}">
-                <a16:creationId xmlns:a16="http://schemas.microsoft.com/office/drawing/2014/main" id="{CA82CD35-A710-4C63-A755-97FAAF71E4E7}"/>
-              </a:ext>
-            </a:extLst>
-          </p:cNvPr>
-          <p:cNvSpPr/>
-          <p:nvPr/>
-        </p:nvSpPr>
-        <p:spPr>
-          <a:xfrm>
-            <a:off x="7070180" y="6142184"/>
-            <a:ext cx="221811" cy="454519"/>
-          </a:xfrm>
-          <a:prstGeom prst="rect">
-            <a:avLst/>
-          </a:prstGeom>
-          <a:solidFill>
-            <a:srgbClr val="00B050"/>
-          </a:solidFill>
-          <a:ln>
-            <a:solidFill>
-              <a:srgbClr val="00B050"/>
-            </a:solidFill>
-          </a:ln>
-          <a:effectLst/>
-        </p:spPr>
-        <p:style>
-          <a:lnRef idx="1">
-            <a:schemeClr val="accent3"/>
-          </a:lnRef>
-          <a:fillRef idx="2">
-            <a:schemeClr val="accent3"/>
-          </a:fillRef>
-          <a:effectRef idx="1">
-            <a:schemeClr val="accent3"/>
-          </a:effectRef>
-          <a:fontRef idx="minor">
-            <a:schemeClr val="dk1"/>
-          </a:fontRef>
-        </p:style>
-        <p:txBody>
-          <a:bodyPr rtlCol="0" anchor="ctr"/>
-          <a:lstStyle/>
-          <a:p>
-            <a:pPr algn="ctr"/>
-            <a:endParaRPr lang="en-SG" sz="1400" dirty="0"/>
-          </a:p>
-        </p:txBody>
-      </p:sp>
-      <p:sp>
-        <p:nvSpPr>
-          <p:cNvPr id="95" name="TextBox 28">
-            <a:extLst>
-              <a:ext uri="{FF2B5EF4-FFF2-40B4-BE49-F238E27FC236}">
-                <a16:creationId xmlns:a16="http://schemas.microsoft.com/office/drawing/2014/main" id="{794F8C42-E5FD-4E9E-AFB1-02308F93AE84}"/>
+      <p:sp>
+        <p:nvSpPr>
+          <p:cNvPr id="96" name="TextBox 28">
+            <a:extLst>
+              <a:ext uri="{FF2B5EF4-FFF2-40B4-BE49-F238E27FC236}">
+                <a16:creationId xmlns:a16="http://schemas.microsoft.com/office/drawing/2014/main" id="{5CDC179A-148E-43F3-94EE-7405D08FADCE}"/>
               </a:ext>
             </a:extLst>
           </p:cNvPr>
@@ -5036,7 +4892,7 @@
         </p:nvSpPr>
         <p:spPr>
           <a:xfrm>
-            <a:off x="5125641" y="5891630"/>
+            <a:off x="5229999" y="4557668"/>
             <a:ext cx="1466037" cy="215444"/>
           </a:xfrm>
           <a:prstGeom prst="rect">
@@ -5067,7 +4923,7 @@
                   <a:srgbClr val="00B050"/>
                 </a:solidFill>
               </a:rPr>
-              <a:t>getData</a:t>
+              <a:t>getChildren</a:t>
             </a:r>
             <a:r>
               <a:rPr lang="en-US" dirty="0">
@@ -5075,17 +4931,61 @@
                   <a:srgbClr val="00B050"/>
                 </a:solidFill>
               </a:rPr>
-              <a:t>().add()</a:t>
-            </a:r>
-          </a:p>
-        </p:txBody>
-      </p:sp>
-      <p:sp>
-        <p:nvSpPr>
-          <p:cNvPr id="96" name="TextBox 28">
-            <a:extLst>
-              <a:ext uri="{FF2B5EF4-FFF2-40B4-BE49-F238E27FC236}">
-                <a16:creationId xmlns:a16="http://schemas.microsoft.com/office/drawing/2014/main" id="{5CDC179A-148E-43F3-94EE-7405D08FADCE}"/>
+              <a:t>().clear()</a:t>
+            </a:r>
+          </a:p>
+        </p:txBody>
+      </p:sp>
+      <p:cxnSp>
+        <p:nvCxnSpPr>
+          <p:cNvPr id="97" name="Straight Arrow Connector 24">
+            <a:extLst>
+              <a:ext uri="{FF2B5EF4-FFF2-40B4-BE49-F238E27FC236}">
+                <a16:creationId xmlns:a16="http://schemas.microsoft.com/office/drawing/2014/main" id="{65495491-B395-48FF-A2DF-92A450761EA9}"/>
+              </a:ext>
+            </a:extLst>
+          </p:cNvPr>
+          <p:cNvCxnSpPr>
+            <a:cxnSpLocks/>
+          </p:cNvCxnSpPr>
+          <p:nvPr/>
+        </p:nvCxnSpPr>
+        <p:spPr>
+          <a:xfrm>
+            <a:off x="2834865" y="1772408"/>
+            <a:ext cx="2128239" cy="1"/>
+          </a:xfrm>
+          <a:prstGeom prst="straightConnector1">
+            <a:avLst/>
+          </a:prstGeom>
+          <a:ln w="19050">
+            <a:solidFill>
+              <a:srgbClr val="00B050"/>
+            </a:solidFill>
+            <a:tailEnd type="arrow"/>
+          </a:ln>
+        </p:spPr>
+        <p:style>
+          <a:lnRef idx="1">
+            <a:schemeClr val="accent1"/>
+          </a:lnRef>
+          <a:fillRef idx="0">
+            <a:schemeClr val="accent1"/>
+          </a:fillRef>
+          <a:effectRef idx="0">
+            <a:schemeClr val="accent1"/>
+          </a:effectRef>
+          <a:fontRef idx="minor">
+            <a:schemeClr val="tx1"/>
+          </a:fontRef>
+        </p:style>
+      </p:cxnSp>
+      <p:sp>
+        <p:nvSpPr>
+          <p:cNvPr id="98" name="TextBox 79">
+            <a:extLst>
+              <a:ext uri="{FF2B5EF4-FFF2-40B4-BE49-F238E27FC236}">
+                <a16:creationId xmlns:a16="http://schemas.microsoft.com/office/drawing/2014/main" id="{E680497D-350D-48A5-AA5D-760E03E9D6F9}"/>
               </a:ext>
             </a:extLst>
           </p:cNvPr>
@@ -5094,8 +4994,8 @@
         </p:nvSpPr>
         <p:spPr>
           <a:xfrm>
-            <a:off x="5191922" y="4837865"/>
-            <a:ext cx="1466037" cy="215444"/>
+            <a:off x="3019840" y="1549640"/>
+            <a:ext cx="1661635" cy="215444"/>
           </a:xfrm>
           <a:prstGeom prst="rect">
             <a:avLst/>
@@ -5120,30 +5020,22 @@
           </a:lstStyle>
           <a:p>
             <a:r>
-              <a:rPr lang="en-US" dirty="0" err="1">
-                <a:solidFill>
-                  <a:srgbClr val="00B050"/>
-                </a:solidFill>
-              </a:rPr>
-              <a:t>getData</a:t>
-            </a:r>
-            <a:r>
-              <a:rPr lang="en-US" dirty="0">
-                <a:solidFill>
-                  <a:srgbClr val="00B050"/>
-                </a:solidFill>
-              </a:rPr>
-              <a:t>().clear()</a:t>
+              <a:rPr lang="en-US" dirty="0" err="1"/>
+              <a:t>getSummaryPeriod</a:t>
+            </a:r>
+            <a:r>
+              <a:rPr lang="en-US" dirty="0"/>
+              <a:t>()</a:t>
             </a:r>
           </a:p>
         </p:txBody>
       </p:sp>
       <p:cxnSp>
         <p:nvCxnSpPr>
-          <p:cNvPr id="97" name="Straight Arrow Connector 24">
-            <a:extLst>
-              <a:ext uri="{FF2B5EF4-FFF2-40B4-BE49-F238E27FC236}">
-                <a16:creationId xmlns:a16="http://schemas.microsoft.com/office/drawing/2014/main" id="{65495491-B395-48FF-A2DF-92A450761EA9}"/>
+          <p:cNvPr id="100" name="Straight Arrow Connector 51">
+            <a:extLst>
+              <a:ext uri="{FF2B5EF4-FFF2-40B4-BE49-F238E27FC236}">
+                <a16:creationId xmlns:a16="http://schemas.microsoft.com/office/drawing/2014/main" id="{331CE12E-746E-4998-8DB7-3DE63252F677}"/>
               </a:ext>
             </a:extLst>
           </p:cNvPr>
@@ -5154,7 +5046,405 @@
         </p:nvCxnSpPr>
         <p:spPr>
           <a:xfrm>
-            <a:off x="2819367" y="1935142"/>
+            <a:off x="2844421" y="1052188"/>
+            <a:ext cx="2236436" cy="0"/>
+          </a:xfrm>
+          <a:prstGeom prst="straightConnector1">
+            <a:avLst/>
+          </a:prstGeom>
+          <a:ln w="19050">
+            <a:solidFill>
+              <a:srgbClr val="0070C0"/>
+            </a:solidFill>
+            <a:prstDash val="sysDash"/>
+            <a:headEnd type="arrow" w="med" len="med"/>
+            <a:tailEnd type="none" w="med" len="med"/>
+          </a:ln>
+        </p:spPr>
+        <p:style>
+          <a:lnRef idx="1">
+            <a:schemeClr val="accent1"/>
+          </a:lnRef>
+          <a:fillRef idx="0">
+            <a:schemeClr val="accent1"/>
+          </a:fillRef>
+          <a:effectRef idx="0">
+            <a:schemeClr val="accent1"/>
+          </a:effectRef>
+          <a:fontRef idx="minor">
+            <a:schemeClr val="tx1"/>
+          </a:fontRef>
+        </p:style>
+      </p:cxnSp>
+      <p:cxnSp>
+        <p:nvCxnSpPr>
+          <p:cNvPr id="109" name="Straight Arrow Connector 24">
+            <a:extLst>
+              <a:ext uri="{FF2B5EF4-FFF2-40B4-BE49-F238E27FC236}">
+                <a16:creationId xmlns:a16="http://schemas.microsoft.com/office/drawing/2014/main" id="{9DE10004-0607-44CE-AF63-DA2D2C05D591}"/>
+              </a:ext>
+            </a:extLst>
+          </p:cNvPr>
+          <p:cNvCxnSpPr>
+            <a:cxnSpLocks/>
+          </p:cNvCxnSpPr>
+          <p:nvPr/>
+        </p:nvCxnSpPr>
+        <p:spPr>
+          <a:xfrm>
+            <a:off x="5084824" y="757055"/>
+            <a:ext cx="2231072" cy="0"/>
+          </a:xfrm>
+          <a:prstGeom prst="straightConnector1">
+            <a:avLst/>
+          </a:prstGeom>
+          <a:ln w="19050">
+            <a:solidFill>
+              <a:srgbClr val="0070C0"/>
+            </a:solidFill>
+            <a:tailEnd type="arrow"/>
+          </a:ln>
+        </p:spPr>
+        <p:style>
+          <a:lnRef idx="1">
+            <a:schemeClr val="accent1"/>
+          </a:lnRef>
+          <a:fillRef idx="0">
+            <a:schemeClr val="accent1"/>
+          </a:fillRef>
+          <a:effectRef idx="0">
+            <a:schemeClr val="accent1"/>
+          </a:effectRef>
+          <a:fontRef idx="minor">
+            <a:schemeClr val="tx1"/>
+          </a:fontRef>
+        </p:style>
+      </p:cxnSp>
+      <p:cxnSp>
+        <p:nvCxnSpPr>
+          <p:cNvPr id="113" name="Straight Connector 45">
+            <a:extLst>
+              <a:ext uri="{FF2B5EF4-FFF2-40B4-BE49-F238E27FC236}">
+                <a16:creationId xmlns:a16="http://schemas.microsoft.com/office/drawing/2014/main" id="{6AD7BB13-1AE6-4959-B723-1D414266B0C7}"/>
+              </a:ext>
+            </a:extLst>
+          </p:cNvPr>
+          <p:cNvCxnSpPr>
+            <a:cxnSpLocks/>
+          </p:cNvCxnSpPr>
+          <p:nvPr/>
+        </p:nvCxnSpPr>
+        <p:spPr>
+          <a:xfrm>
+            <a:off x="7419856" y="234741"/>
+            <a:ext cx="0" cy="3022976"/>
+          </a:xfrm>
+          <a:prstGeom prst="line">
+            <a:avLst/>
+          </a:prstGeom>
+          <a:ln w="19050">
+            <a:solidFill>
+              <a:srgbClr val="7030A0"/>
+            </a:solidFill>
+            <a:prstDash val="sysDash"/>
+          </a:ln>
+          <a:effectLst/>
+        </p:spPr>
+        <p:style>
+          <a:lnRef idx="1">
+            <a:schemeClr val="accent1"/>
+          </a:lnRef>
+          <a:fillRef idx="2">
+            <a:schemeClr val="accent1"/>
+          </a:fillRef>
+          <a:effectRef idx="1">
+            <a:schemeClr val="accent1"/>
+          </a:effectRef>
+          <a:fontRef idx="minor">
+            <a:schemeClr val="dk1"/>
+          </a:fontRef>
+        </p:style>
+      </p:cxnSp>
+      <p:sp>
+        <p:nvSpPr>
+          <p:cNvPr id="114" name="Rectangle 48">
+            <a:extLst>
+              <a:ext uri="{FF2B5EF4-FFF2-40B4-BE49-F238E27FC236}">
+                <a16:creationId xmlns:a16="http://schemas.microsoft.com/office/drawing/2014/main" id="{56D58D78-8EF3-40A7-B27E-F5E77267E902}"/>
+              </a:ext>
+            </a:extLst>
+          </p:cNvPr>
+          <p:cNvSpPr/>
+          <p:nvPr/>
+        </p:nvSpPr>
+        <p:spPr>
+          <a:xfrm>
+            <a:off x="7313928" y="762499"/>
+            <a:ext cx="207920" cy="287382"/>
+          </a:xfrm>
+          <a:prstGeom prst="rect">
+            <a:avLst/>
+          </a:prstGeom>
+          <a:solidFill>
+            <a:srgbClr val="7030A0"/>
+          </a:solidFill>
+          <a:ln>
+            <a:solidFill>
+              <a:srgbClr val="7030A0"/>
+            </a:solidFill>
+          </a:ln>
+          <a:effectLst/>
+        </p:spPr>
+        <p:style>
+          <a:lnRef idx="1">
+            <a:schemeClr val="accent3"/>
+          </a:lnRef>
+          <a:fillRef idx="2">
+            <a:schemeClr val="accent3"/>
+          </a:fillRef>
+          <a:effectRef idx="1">
+            <a:schemeClr val="accent3"/>
+          </a:effectRef>
+          <a:fontRef idx="minor">
+            <a:schemeClr val="dk1"/>
+          </a:fontRef>
+        </p:style>
+        <p:txBody>
+          <a:bodyPr rtlCol="0" anchor="ctr"/>
+          <a:lstStyle/>
+          <a:p>
+            <a:pPr algn="ctr"/>
+            <a:endParaRPr lang="en-SG" sz="1400" dirty="0"/>
+          </a:p>
+        </p:txBody>
+      </p:sp>
+      <p:sp>
+        <p:nvSpPr>
+          <p:cNvPr id="115" name="Rectangle 62">
+            <a:extLst>
+              <a:ext uri="{FF2B5EF4-FFF2-40B4-BE49-F238E27FC236}">
+                <a16:creationId xmlns:a16="http://schemas.microsoft.com/office/drawing/2014/main" id="{7C4F12BC-1512-4BDB-8D7C-0BCD19A54DFE}"/>
+              </a:ext>
+            </a:extLst>
+          </p:cNvPr>
+          <p:cNvSpPr/>
+          <p:nvPr/>
+        </p:nvSpPr>
+        <p:spPr>
+          <a:xfrm>
+            <a:off x="6851504" y="-92736"/>
+            <a:ext cx="1093635" cy="461538"/>
+          </a:xfrm>
+          <a:prstGeom prst="rect">
+            <a:avLst/>
+          </a:prstGeom>
+          <a:solidFill>
+            <a:srgbClr val="7030A0"/>
+          </a:solidFill>
+          <a:ln w="19050">
+            <a:solidFill>
+              <a:srgbClr val="7030A0"/>
+            </a:solidFill>
+          </a:ln>
+          <a:effectLst/>
+        </p:spPr>
+        <p:style>
+          <a:lnRef idx="1">
+            <a:schemeClr val="accent2"/>
+          </a:lnRef>
+          <a:fillRef idx="2">
+            <a:schemeClr val="accent2"/>
+          </a:fillRef>
+          <a:effectRef idx="1">
+            <a:schemeClr val="accent2"/>
+          </a:effectRef>
+          <a:fontRef idx="minor">
+            <a:schemeClr val="dk1"/>
+          </a:fontRef>
+        </p:style>
+        <p:txBody>
+          <a:bodyPr rtlCol="0" anchor="ctr"/>
+          <a:lstStyle/>
+          <a:p>
+            <a:pPr algn="ctr"/>
+            <a:r>
+              <a:rPr lang="en-US" sz="1600" dirty="0">
+                <a:solidFill>
+                  <a:schemeClr val="bg1"/>
+                </a:solidFill>
+              </a:rPr>
+              <a:t>:Model</a:t>
+            </a:r>
+            <a:endParaRPr lang="en-SG" sz="1600" dirty="0">
+              <a:solidFill>
+                <a:schemeClr val="bg1"/>
+              </a:solidFill>
+            </a:endParaRPr>
+          </a:p>
+        </p:txBody>
+      </p:sp>
+      <p:cxnSp>
+        <p:nvCxnSpPr>
+          <p:cNvPr id="118" name="Straight Arrow Connector 51">
+            <a:extLst>
+              <a:ext uri="{FF2B5EF4-FFF2-40B4-BE49-F238E27FC236}">
+                <a16:creationId xmlns:a16="http://schemas.microsoft.com/office/drawing/2014/main" id="{C4536627-1E6D-4B52-90EC-2809E11088BC}"/>
+              </a:ext>
+            </a:extLst>
+          </p:cNvPr>
+          <p:cNvCxnSpPr>
+            <a:cxnSpLocks/>
+          </p:cNvCxnSpPr>
+          <p:nvPr/>
+        </p:nvCxnSpPr>
+        <p:spPr>
+          <a:xfrm>
+            <a:off x="5191922" y="1052188"/>
+            <a:ext cx="2236436" cy="0"/>
+          </a:xfrm>
+          <a:prstGeom prst="straightConnector1">
+            <a:avLst/>
+          </a:prstGeom>
+          <a:ln w="19050">
+            <a:solidFill>
+              <a:srgbClr val="7030A0"/>
+            </a:solidFill>
+            <a:prstDash val="sysDash"/>
+            <a:headEnd type="arrow" w="med" len="med"/>
+            <a:tailEnd type="none" w="med" len="med"/>
+          </a:ln>
+        </p:spPr>
+        <p:style>
+          <a:lnRef idx="1">
+            <a:schemeClr val="accent1"/>
+          </a:lnRef>
+          <a:fillRef idx="0">
+            <a:schemeClr val="accent1"/>
+          </a:fillRef>
+          <a:effectRef idx="0">
+            <a:schemeClr val="accent1"/>
+          </a:effectRef>
+          <a:fontRef idx="minor">
+            <a:schemeClr val="tx1"/>
+          </a:fontRef>
+        </p:style>
+      </p:cxnSp>
+      <p:sp>
+        <p:nvSpPr>
+          <p:cNvPr id="43" name="Rectangle 48">
+            <a:extLst>
+              <a:ext uri="{FF2B5EF4-FFF2-40B4-BE49-F238E27FC236}">
+                <a16:creationId xmlns:a16="http://schemas.microsoft.com/office/drawing/2014/main" id="{9F5C3BDF-2501-4FA4-A207-994500E0B546}"/>
+              </a:ext>
+            </a:extLst>
+          </p:cNvPr>
+          <p:cNvSpPr/>
+          <p:nvPr/>
+        </p:nvSpPr>
+        <p:spPr>
+          <a:xfrm>
+            <a:off x="4968177" y="1768295"/>
+            <a:ext cx="222566" cy="300576"/>
+          </a:xfrm>
+          <a:prstGeom prst="rect">
+            <a:avLst/>
+          </a:prstGeom>
+          <a:solidFill>
+            <a:srgbClr val="0070C0"/>
+          </a:solidFill>
+          <a:ln>
+            <a:solidFill>
+              <a:srgbClr val="0070C0"/>
+            </a:solidFill>
+          </a:ln>
+          <a:effectLst/>
+        </p:spPr>
+        <p:style>
+          <a:lnRef idx="1">
+            <a:schemeClr val="accent3"/>
+          </a:lnRef>
+          <a:fillRef idx="2">
+            <a:schemeClr val="accent3"/>
+          </a:fillRef>
+          <a:effectRef idx="1">
+            <a:schemeClr val="accent3"/>
+          </a:effectRef>
+          <a:fontRef idx="minor">
+            <a:schemeClr val="dk1"/>
+          </a:fontRef>
+        </p:style>
+        <p:txBody>
+          <a:bodyPr rtlCol="0" anchor="ctr"/>
+          <a:lstStyle/>
+          <a:p>
+            <a:pPr algn="ctr"/>
+            <a:endParaRPr lang="en-SG" sz="1400" dirty="0"/>
+          </a:p>
+        </p:txBody>
+      </p:sp>
+      <p:cxnSp>
+        <p:nvCxnSpPr>
+          <p:cNvPr id="44" name="Straight Arrow Connector 51">
+            <a:extLst>
+              <a:ext uri="{FF2B5EF4-FFF2-40B4-BE49-F238E27FC236}">
+                <a16:creationId xmlns:a16="http://schemas.microsoft.com/office/drawing/2014/main" id="{2532F958-CED1-406F-9B80-1181E38DD083}"/>
+              </a:ext>
+            </a:extLst>
+          </p:cNvPr>
+          <p:cNvCxnSpPr>
+            <a:cxnSpLocks/>
+          </p:cNvCxnSpPr>
+          <p:nvPr/>
+        </p:nvCxnSpPr>
+        <p:spPr>
+          <a:xfrm>
+            <a:off x="2850347" y="2068871"/>
+            <a:ext cx="2236436" cy="0"/>
+          </a:xfrm>
+          <a:prstGeom prst="straightConnector1">
+            <a:avLst/>
+          </a:prstGeom>
+          <a:ln w="19050">
+            <a:solidFill>
+              <a:srgbClr val="0070C0"/>
+            </a:solidFill>
+            <a:prstDash val="sysDash"/>
+            <a:headEnd type="arrow" w="med" len="med"/>
+            <a:tailEnd type="none" w="med" len="med"/>
+          </a:ln>
+        </p:spPr>
+        <p:style>
+          <a:lnRef idx="1">
+            <a:schemeClr val="accent1"/>
+          </a:lnRef>
+          <a:fillRef idx="0">
+            <a:schemeClr val="accent1"/>
+          </a:fillRef>
+          <a:effectRef idx="0">
+            <a:schemeClr val="accent1"/>
+          </a:effectRef>
+          <a:fontRef idx="minor">
+            <a:schemeClr val="tx1"/>
+          </a:fontRef>
+        </p:style>
+      </p:cxnSp>
+      <p:cxnSp>
+        <p:nvCxnSpPr>
+          <p:cNvPr id="45" name="Straight Arrow Connector 24">
+            <a:extLst>
+              <a:ext uri="{FF2B5EF4-FFF2-40B4-BE49-F238E27FC236}">
+                <a16:creationId xmlns:a16="http://schemas.microsoft.com/office/drawing/2014/main" id="{51C9564B-7B10-4441-900A-61EA8B0B96AA}"/>
+              </a:ext>
+            </a:extLst>
+          </p:cNvPr>
+          <p:cNvCxnSpPr>
+            <a:cxnSpLocks/>
+          </p:cNvCxnSpPr>
+          <p:nvPr/>
+        </p:nvCxnSpPr>
+        <p:spPr>
+          <a:xfrm>
+            <a:off x="2832450" y="2781699"/>
             <a:ext cx="2128239" cy="1"/>
           </a:xfrm>
           <a:prstGeom prst="straightConnector1">
@@ -5184,10 +5474,10 @@
       </p:cxnSp>
       <p:sp>
         <p:nvSpPr>
-          <p:cNvPr id="98" name="TextBox 79">
-            <a:extLst>
-              <a:ext uri="{FF2B5EF4-FFF2-40B4-BE49-F238E27FC236}">
-                <a16:creationId xmlns:a16="http://schemas.microsoft.com/office/drawing/2014/main" id="{E680497D-350D-48A5-AA5D-760E03E9D6F9}"/>
+          <p:cNvPr id="47" name="TextBox 79">
+            <a:extLst>
+              <a:ext uri="{FF2B5EF4-FFF2-40B4-BE49-F238E27FC236}">
+                <a16:creationId xmlns:a16="http://schemas.microsoft.com/office/drawing/2014/main" id="{BE408598-4FD6-41A5-A622-9BF8DF0E8C48}"/>
               </a:ext>
             </a:extLst>
           </p:cNvPr>
@@ -5196,7 +5486,7 @@
         </p:nvSpPr>
         <p:spPr>
           <a:xfrm>
-            <a:off x="2888071" y="1719698"/>
+            <a:off x="3017425" y="2558931"/>
             <a:ext cx="1661635" cy="215444"/>
           </a:xfrm>
           <a:prstGeom prst="rect">
@@ -5222,76 +5512,22 @@
           </a:lstStyle>
           <a:p>
             <a:r>
-              <a:rPr lang="en-US" dirty="0" err="1">
-                <a:solidFill>
-                  <a:srgbClr val="00B050"/>
-                </a:solidFill>
-              </a:rPr>
-              <a:t>getCategoryBudget</a:t>
-            </a:r>
-            <a:r>
-              <a:rPr lang="en-US" dirty="0">
-                <a:solidFill>
-                  <a:srgbClr val="00B050"/>
-                </a:solidFill>
-              </a:rPr>
+              <a:rPr lang="en-US" dirty="0" err="1"/>
+              <a:t>getPeriodAmount</a:t>
+            </a:r>
+            <a:r>
+              <a:rPr lang="en-US" dirty="0"/>
               <a:t>()</a:t>
             </a:r>
           </a:p>
         </p:txBody>
       </p:sp>
-      <p:cxnSp>
-        <p:nvCxnSpPr>
-          <p:cNvPr id="100" name="Straight Arrow Connector 51">
-            <a:extLst>
-              <a:ext uri="{FF2B5EF4-FFF2-40B4-BE49-F238E27FC236}">
-                <a16:creationId xmlns:a16="http://schemas.microsoft.com/office/drawing/2014/main" id="{331CE12E-746E-4998-8DB7-3DE63252F677}"/>
-              </a:ext>
-            </a:extLst>
-          </p:cNvPr>
-          <p:cNvCxnSpPr>
-            <a:cxnSpLocks/>
-          </p:cNvCxnSpPr>
-          <p:nvPr/>
-        </p:nvCxnSpPr>
-        <p:spPr>
-          <a:xfrm>
-            <a:off x="2845052" y="1332888"/>
-            <a:ext cx="2236436" cy="0"/>
-          </a:xfrm>
-          <a:prstGeom prst="straightConnector1">
-            <a:avLst/>
-          </a:prstGeom>
-          <a:ln w="19050">
-            <a:solidFill>
-              <a:srgbClr val="0070C0"/>
-            </a:solidFill>
-            <a:prstDash val="sysDash"/>
-            <a:headEnd type="arrow" w="med" len="med"/>
-            <a:tailEnd type="none" w="med" len="med"/>
-          </a:ln>
-        </p:spPr>
-        <p:style>
-          <a:lnRef idx="1">
-            <a:schemeClr val="accent1"/>
-          </a:lnRef>
-          <a:fillRef idx="0">
-            <a:schemeClr val="accent1"/>
-          </a:fillRef>
-          <a:effectRef idx="0">
-            <a:schemeClr val="accent1"/>
-          </a:effectRef>
-          <a:fontRef idx="minor">
-            <a:schemeClr val="tx1"/>
-          </a:fontRef>
-        </p:style>
-      </p:cxnSp>
-      <p:sp>
-        <p:nvSpPr>
-          <p:cNvPr id="102" name="Rectangle 48">
-            <a:extLst>
-              <a:ext uri="{FF2B5EF4-FFF2-40B4-BE49-F238E27FC236}">
-                <a16:creationId xmlns:a16="http://schemas.microsoft.com/office/drawing/2014/main" id="{C81129D9-3915-4BFE-9934-0A24BD616F8D}"/>
+      <p:sp>
+        <p:nvSpPr>
+          <p:cNvPr id="48" name="Rectangle 48">
+            <a:extLst>
+              <a:ext uri="{FF2B5EF4-FFF2-40B4-BE49-F238E27FC236}">
+                <a16:creationId xmlns:a16="http://schemas.microsoft.com/office/drawing/2014/main" id="{CCEDD0C7-72EC-46DF-9A0E-FEF549F0BE66}"/>
               </a:ext>
             </a:extLst>
           </p:cNvPr>
@@ -5300,8 +5536,8 @@
         </p:nvSpPr>
         <p:spPr>
           <a:xfrm>
-            <a:off x="4962251" y="1916454"/>
-            <a:ext cx="207920" cy="575169"/>
+            <a:off x="4965762" y="2777586"/>
+            <a:ext cx="222566" cy="300576"/>
           </a:xfrm>
           <a:prstGeom prst="rect">
             <a:avLst/>
@@ -5341,10 +5577,10 @@
       </p:sp>
       <p:cxnSp>
         <p:nvCxnSpPr>
-          <p:cNvPr id="109" name="Straight Arrow Connector 24">
-            <a:extLst>
-              <a:ext uri="{FF2B5EF4-FFF2-40B4-BE49-F238E27FC236}">
-                <a16:creationId xmlns:a16="http://schemas.microsoft.com/office/drawing/2014/main" id="{9DE10004-0607-44CE-AF63-DA2D2C05D591}"/>
+          <p:cNvPr id="49" name="Straight Arrow Connector 51">
+            <a:extLst>
+              <a:ext uri="{FF2B5EF4-FFF2-40B4-BE49-F238E27FC236}">
+                <a16:creationId xmlns:a16="http://schemas.microsoft.com/office/drawing/2014/main" id="{D4015E76-6F45-4035-BDF2-D3C88AFCCD09}"/>
               </a:ext>
             </a:extLst>
           </p:cNvPr>
@@ -5355,7 +5591,53 @@
         </p:nvCxnSpPr>
         <p:spPr>
           <a:xfrm>
-            <a:off x="5084824" y="757055"/>
+            <a:off x="2847932" y="3078162"/>
+            <a:ext cx="2236436" cy="0"/>
+          </a:xfrm>
+          <a:prstGeom prst="straightConnector1">
+            <a:avLst/>
+          </a:prstGeom>
+          <a:ln w="19050">
+            <a:solidFill>
+              <a:srgbClr val="0070C0"/>
+            </a:solidFill>
+            <a:prstDash val="sysDash"/>
+            <a:headEnd type="arrow" w="med" len="med"/>
+            <a:tailEnd type="none" w="med" len="med"/>
+          </a:ln>
+        </p:spPr>
+        <p:style>
+          <a:lnRef idx="1">
+            <a:schemeClr val="accent1"/>
+          </a:lnRef>
+          <a:fillRef idx="0">
+            <a:schemeClr val="accent1"/>
+          </a:fillRef>
+          <a:effectRef idx="0">
+            <a:schemeClr val="accent1"/>
+          </a:effectRef>
+          <a:fontRef idx="minor">
+            <a:schemeClr val="tx1"/>
+          </a:fontRef>
+        </p:style>
+      </p:cxnSp>
+      <p:cxnSp>
+        <p:nvCxnSpPr>
+          <p:cNvPr id="50" name="Straight Arrow Connector 24">
+            <a:extLst>
+              <a:ext uri="{FF2B5EF4-FFF2-40B4-BE49-F238E27FC236}">
+                <a16:creationId xmlns:a16="http://schemas.microsoft.com/office/drawing/2014/main" id="{1DE5094B-1BE8-4DB6-BB47-B057A198B626}"/>
+              </a:ext>
+            </a:extLst>
+          </p:cNvPr>
+          <p:cNvCxnSpPr>
+            <a:cxnSpLocks/>
+          </p:cNvCxnSpPr>
+          <p:nvPr/>
+        </p:nvCxnSpPr>
+        <p:spPr>
+          <a:xfrm>
+            <a:off x="5084824" y="1780849"/>
             <a:ext cx="2231072" cy="0"/>
           </a:xfrm>
           <a:prstGeom prst="straightConnector1">
@@ -5385,10 +5667,252 @@
       </p:cxnSp>
       <p:sp>
         <p:nvSpPr>
-          <p:cNvPr id="110" name="TextBox 79">
-            <a:extLst>
-              <a:ext uri="{FF2B5EF4-FFF2-40B4-BE49-F238E27FC236}">
-                <a16:creationId xmlns:a16="http://schemas.microsoft.com/office/drawing/2014/main" id="{E45D6D01-B2B3-41DD-8CC9-BFDCFE621E71}"/>
+          <p:cNvPr id="51" name="Rectangle 48">
+            <a:extLst>
+              <a:ext uri="{FF2B5EF4-FFF2-40B4-BE49-F238E27FC236}">
+                <a16:creationId xmlns:a16="http://schemas.microsoft.com/office/drawing/2014/main" id="{9E30BD4A-874B-4DFA-AD76-91CCBFF6179B}"/>
+              </a:ext>
+            </a:extLst>
+          </p:cNvPr>
+          <p:cNvSpPr/>
+          <p:nvPr/>
+        </p:nvSpPr>
+        <p:spPr>
+          <a:xfrm>
+            <a:off x="7313927" y="1772943"/>
+            <a:ext cx="207920" cy="287382"/>
+          </a:xfrm>
+          <a:prstGeom prst="rect">
+            <a:avLst/>
+          </a:prstGeom>
+          <a:solidFill>
+            <a:srgbClr val="7030A0"/>
+          </a:solidFill>
+          <a:ln>
+            <a:solidFill>
+              <a:srgbClr val="7030A0"/>
+            </a:solidFill>
+          </a:ln>
+          <a:effectLst/>
+        </p:spPr>
+        <p:style>
+          <a:lnRef idx="1">
+            <a:schemeClr val="accent3"/>
+          </a:lnRef>
+          <a:fillRef idx="2">
+            <a:schemeClr val="accent3"/>
+          </a:fillRef>
+          <a:effectRef idx="1">
+            <a:schemeClr val="accent3"/>
+          </a:effectRef>
+          <a:fontRef idx="minor">
+            <a:schemeClr val="dk1"/>
+          </a:fontRef>
+        </p:style>
+        <p:txBody>
+          <a:bodyPr rtlCol="0" anchor="ctr"/>
+          <a:lstStyle/>
+          <a:p>
+            <a:pPr algn="ctr"/>
+            <a:endParaRPr lang="en-SG" sz="1400" dirty="0"/>
+          </a:p>
+        </p:txBody>
+      </p:sp>
+      <p:cxnSp>
+        <p:nvCxnSpPr>
+          <p:cNvPr id="52" name="Straight Arrow Connector 51">
+            <a:extLst>
+              <a:ext uri="{FF2B5EF4-FFF2-40B4-BE49-F238E27FC236}">
+                <a16:creationId xmlns:a16="http://schemas.microsoft.com/office/drawing/2014/main" id="{C40FD015-DAC6-4468-B4DA-B66FE0247E6C}"/>
+              </a:ext>
+            </a:extLst>
+          </p:cNvPr>
+          <p:cNvCxnSpPr>
+            <a:cxnSpLocks/>
+          </p:cNvCxnSpPr>
+          <p:nvPr/>
+        </p:nvCxnSpPr>
+        <p:spPr>
+          <a:xfrm>
+            <a:off x="5191921" y="2062632"/>
+            <a:ext cx="2236436" cy="0"/>
+          </a:xfrm>
+          <a:prstGeom prst="straightConnector1">
+            <a:avLst/>
+          </a:prstGeom>
+          <a:ln w="19050">
+            <a:solidFill>
+              <a:srgbClr val="7030A0"/>
+            </a:solidFill>
+            <a:prstDash val="sysDash"/>
+            <a:headEnd type="arrow" w="med" len="med"/>
+            <a:tailEnd type="none" w="med" len="med"/>
+          </a:ln>
+        </p:spPr>
+        <p:style>
+          <a:lnRef idx="1">
+            <a:schemeClr val="accent1"/>
+          </a:lnRef>
+          <a:fillRef idx="0">
+            <a:schemeClr val="accent1"/>
+          </a:fillRef>
+          <a:effectRef idx="0">
+            <a:schemeClr val="accent1"/>
+          </a:effectRef>
+          <a:fontRef idx="minor">
+            <a:schemeClr val="tx1"/>
+          </a:fontRef>
+        </p:style>
+      </p:cxnSp>
+      <p:cxnSp>
+        <p:nvCxnSpPr>
+          <p:cNvPr id="56" name="Straight Arrow Connector 24">
+            <a:extLst>
+              <a:ext uri="{FF2B5EF4-FFF2-40B4-BE49-F238E27FC236}">
+                <a16:creationId xmlns:a16="http://schemas.microsoft.com/office/drawing/2014/main" id="{4493FF65-B3AC-4A2A-A67A-681920472C01}"/>
+              </a:ext>
+            </a:extLst>
+          </p:cNvPr>
+          <p:cNvCxnSpPr>
+            <a:cxnSpLocks/>
+          </p:cNvCxnSpPr>
+          <p:nvPr/>
+        </p:nvCxnSpPr>
+        <p:spPr>
+          <a:xfrm>
+            <a:off x="5100963" y="2778662"/>
+            <a:ext cx="2231072" cy="0"/>
+          </a:xfrm>
+          <a:prstGeom prst="straightConnector1">
+            <a:avLst/>
+          </a:prstGeom>
+          <a:ln w="19050">
+            <a:solidFill>
+              <a:srgbClr val="0070C0"/>
+            </a:solidFill>
+            <a:tailEnd type="arrow"/>
+          </a:ln>
+        </p:spPr>
+        <p:style>
+          <a:lnRef idx="1">
+            <a:schemeClr val="accent1"/>
+          </a:lnRef>
+          <a:fillRef idx="0">
+            <a:schemeClr val="accent1"/>
+          </a:fillRef>
+          <a:effectRef idx="0">
+            <a:schemeClr val="accent1"/>
+          </a:effectRef>
+          <a:fontRef idx="minor">
+            <a:schemeClr val="tx1"/>
+          </a:fontRef>
+        </p:style>
+      </p:cxnSp>
+      <p:sp>
+        <p:nvSpPr>
+          <p:cNvPr id="57" name="Rectangle 48">
+            <a:extLst>
+              <a:ext uri="{FF2B5EF4-FFF2-40B4-BE49-F238E27FC236}">
+                <a16:creationId xmlns:a16="http://schemas.microsoft.com/office/drawing/2014/main" id="{AD7131FB-C302-4521-9ED0-68AE4B904CDB}"/>
+              </a:ext>
+            </a:extLst>
+          </p:cNvPr>
+          <p:cNvSpPr/>
+          <p:nvPr/>
+        </p:nvSpPr>
+        <p:spPr>
+          <a:xfrm>
+            <a:off x="7330067" y="2784106"/>
+            <a:ext cx="207920" cy="287382"/>
+          </a:xfrm>
+          <a:prstGeom prst="rect">
+            <a:avLst/>
+          </a:prstGeom>
+          <a:solidFill>
+            <a:srgbClr val="7030A0"/>
+          </a:solidFill>
+          <a:ln>
+            <a:solidFill>
+              <a:srgbClr val="7030A0"/>
+            </a:solidFill>
+          </a:ln>
+          <a:effectLst/>
+        </p:spPr>
+        <p:style>
+          <a:lnRef idx="1">
+            <a:schemeClr val="accent3"/>
+          </a:lnRef>
+          <a:fillRef idx="2">
+            <a:schemeClr val="accent3"/>
+          </a:fillRef>
+          <a:effectRef idx="1">
+            <a:schemeClr val="accent3"/>
+          </a:effectRef>
+          <a:fontRef idx="minor">
+            <a:schemeClr val="dk1"/>
+          </a:fontRef>
+        </p:style>
+        <p:txBody>
+          <a:bodyPr rtlCol="0" anchor="ctr"/>
+          <a:lstStyle/>
+          <a:p>
+            <a:pPr algn="ctr"/>
+            <a:endParaRPr lang="en-SG" sz="1400" dirty="0"/>
+          </a:p>
+        </p:txBody>
+      </p:sp>
+      <p:cxnSp>
+        <p:nvCxnSpPr>
+          <p:cNvPr id="58" name="Straight Arrow Connector 51">
+            <a:extLst>
+              <a:ext uri="{FF2B5EF4-FFF2-40B4-BE49-F238E27FC236}">
+                <a16:creationId xmlns:a16="http://schemas.microsoft.com/office/drawing/2014/main" id="{AB2A95FF-E3D7-4F29-8469-D6501DC1AC23}"/>
+              </a:ext>
+            </a:extLst>
+          </p:cNvPr>
+          <p:cNvCxnSpPr>
+            <a:cxnSpLocks/>
+          </p:cNvCxnSpPr>
+          <p:nvPr/>
+        </p:nvCxnSpPr>
+        <p:spPr>
+          <a:xfrm>
+            <a:off x="5208061" y="3073795"/>
+            <a:ext cx="2236436" cy="0"/>
+          </a:xfrm>
+          <a:prstGeom prst="straightConnector1">
+            <a:avLst/>
+          </a:prstGeom>
+          <a:ln w="19050">
+            <a:solidFill>
+              <a:srgbClr val="7030A0"/>
+            </a:solidFill>
+            <a:prstDash val="sysDash"/>
+            <a:headEnd type="arrow" w="med" len="med"/>
+            <a:tailEnd type="none" w="med" len="med"/>
+          </a:ln>
+        </p:spPr>
+        <p:style>
+          <a:lnRef idx="1">
+            <a:schemeClr val="accent1"/>
+          </a:lnRef>
+          <a:fillRef idx="0">
+            <a:schemeClr val="accent1"/>
+          </a:fillRef>
+          <a:effectRef idx="0">
+            <a:schemeClr val="accent1"/>
+          </a:effectRef>
+          <a:fontRef idx="minor">
+            <a:schemeClr val="tx1"/>
+          </a:fontRef>
+        </p:style>
+      </p:cxnSp>
+      <p:sp>
+        <p:nvSpPr>
+          <p:cNvPr id="59" name="TextBox 79">
+            <a:extLst>
+              <a:ext uri="{FF2B5EF4-FFF2-40B4-BE49-F238E27FC236}">
+                <a16:creationId xmlns:a16="http://schemas.microsoft.com/office/drawing/2014/main" id="{483D6AB7-882B-4C53-8331-990334DF239C}"/>
               </a:ext>
             </a:extLst>
           </p:cNvPr>
@@ -5397,8 +5921,8 @@
         </p:nvSpPr>
         <p:spPr>
           <a:xfrm>
-            <a:off x="5217923" y="510424"/>
-            <a:ext cx="1391716" cy="215444"/>
+            <a:off x="5138011" y="566255"/>
+            <a:ext cx="1867921" cy="215444"/>
           </a:xfrm>
           <a:prstGeom prst="rect">
             <a:avLst/>
@@ -5423,275 +5947,30 @@
           </a:lstStyle>
           <a:p>
             <a:r>
-              <a:rPr lang="en-US" dirty="0" err="1"/>
-              <a:t>getTotalBudget</a:t>
-            </a:r>
-            <a:r>
-              <a:rPr lang="en-US" dirty="0"/>
-              <a:t>()</a:t>
-            </a:r>
-          </a:p>
-        </p:txBody>
-      </p:sp>
-      <p:cxnSp>
-        <p:nvCxnSpPr>
-          <p:cNvPr id="112" name="Straight Arrow Connector 51">
-            <a:extLst>
-              <a:ext uri="{FF2B5EF4-FFF2-40B4-BE49-F238E27FC236}">
-                <a16:creationId xmlns:a16="http://schemas.microsoft.com/office/drawing/2014/main" id="{2D041AB6-CDFE-41A0-B3AD-32CB1018D5B3}"/>
-              </a:ext>
-            </a:extLst>
-          </p:cNvPr>
-          <p:cNvCxnSpPr>
-            <a:cxnSpLocks/>
-          </p:cNvCxnSpPr>
-          <p:nvPr/>
-        </p:nvCxnSpPr>
-        <p:spPr>
-          <a:xfrm>
-            <a:off x="5178286" y="2493922"/>
-            <a:ext cx="2137610" cy="0"/>
-          </a:xfrm>
-          <a:prstGeom prst="straightConnector1">
-            <a:avLst/>
-          </a:prstGeom>
-          <a:ln w="19050">
-            <a:solidFill>
-              <a:srgbClr val="7030A0"/>
-            </a:solidFill>
-            <a:prstDash val="sysDash"/>
-            <a:headEnd type="arrow" w="med" len="med"/>
-            <a:tailEnd type="none" w="med" len="med"/>
-          </a:ln>
-        </p:spPr>
-        <p:style>
-          <a:lnRef idx="1">
-            <a:schemeClr val="accent1"/>
-          </a:lnRef>
-          <a:fillRef idx="0">
-            <a:schemeClr val="accent1"/>
-          </a:fillRef>
-          <a:effectRef idx="0">
-            <a:schemeClr val="accent1"/>
-          </a:effectRef>
-          <a:fontRef idx="minor">
-            <a:schemeClr val="tx1"/>
-          </a:fontRef>
-        </p:style>
-      </p:cxnSp>
-      <p:cxnSp>
-        <p:nvCxnSpPr>
-          <p:cNvPr id="113" name="Straight Connector 45">
-            <a:extLst>
-              <a:ext uri="{FF2B5EF4-FFF2-40B4-BE49-F238E27FC236}">
-                <a16:creationId xmlns:a16="http://schemas.microsoft.com/office/drawing/2014/main" id="{6AD7BB13-1AE6-4959-B723-1D414266B0C7}"/>
-              </a:ext>
-            </a:extLst>
-          </p:cNvPr>
-          <p:cNvCxnSpPr>
-            <a:cxnSpLocks/>
-          </p:cNvCxnSpPr>
-          <p:nvPr/>
-        </p:nvCxnSpPr>
-        <p:spPr>
-          <a:xfrm>
-            <a:off x="7419856" y="234741"/>
-            <a:ext cx="0" cy="3022976"/>
-          </a:xfrm>
-          <a:prstGeom prst="line">
-            <a:avLst/>
-          </a:prstGeom>
-          <a:ln w="19050">
-            <a:solidFill>
-              <a:srgbClr val="7030A0"/>
-            </a:solidFill>
-            <a:prstDash val="sysDash"/>
-          </a:ln>
-          <a:effectLst/>
-        </p:spPr>
-        <p:style>
-          <a:lnRef idx="1">
-            <a:schemeClr val="accent1"/>
-          </a:lnRef>
-          <a:fillRef idx="2">
-            <a:schemeClr val="accent1"/>
-          </a:fillRef>
-          <a:effectRef idx="1">
-            <a:schemeClr val="accent1"/>
-          </a:effectRef>
-          <a:fontRef idx="minor">
-            <a:schemeClr val="dk1"/>
-          </a:fontRef>
-        </p:style>
-      </p:cxnSp>
-      <p:sp>
-        <p:nvSpPr>
-          <p:cNvPr id="114" name="Rectangle 48">
-            <a:extLst>
-              <a:ext uri="{FF2B5EF4-FFF2-40B4-BE49-F238E27FC236}">
-                <a16:creationId xmlns:a16="http://schemas.microsoft.com/office/drawing/2014/main" id="{56D58D78-8EF3-40A7-B27E-F5E77267E902}"/>
-              </a:ext>
-            </a:extLst>
-          </p:cNvPr>
-          <p:cNvSpPr/>
-          <p:nvPr/>
-        </p:nvSpPr>
-        <p:spPr>
-          <a:xfrm>
-            <a:off x="7330542" y="751612"/>
-            <a:ext cx="207920" cy="581276"/>
-          </a:xfrm>
-          <a:prstGeom prst="rect">
-            <a:avLst/>
-          </a:prstGeom>
-          <a:solidFill>
-            <a:srgbClr val="7030A0"/>
-          </a:solidFill>
-          <a:ln>
-            <a:solidFill>
-              <a:srgbClr val="7030A0"/>
-            </a:solidFill>
-          </a:ln>
-          <a:effectLst/>
-        </p:spPr>
-        <p:style>
-          <a:lnRef idx="1">
-            <a:schemeClr val="accent3"/>
-          </a:lnRef>
-          <a:fillRef idx="2">
-            <a:schemeClr val="accent3"/>
-          </a:fillRef>
-          <a:effectRef idx="1">
-            <a:schemeClr val="accent3"/>
-          </a:effectRef>
-          <a:fontRef idx="minor">
-            <a:schemeClr val="dk1"/>
-          </a:fontRef>
-        </p:style>
-        <p:txBody>
-          <a:bodyPr rtlCol="0" anchor="ctr"/>
-          <a:lstStyle/>
-          <a:p>
-            <a:pPr algn="ctr"/>
-            <a:endParaRPr lang="en-SG" sz="1400" dirty="0"/>
-          </a:p>
-        </p:txBody>
-      </p:sp>
-      <p:sp>
-        <p:nvSpPr>
-          <p:cNvPr id="115" name="Rectangle 62">
-            <a:extLst>
-              <a:ext uri="{FF2B5EF4-FFF2-40B4-BE49-F238E27FC236}">
-                <a16:creationId xmlns:a16="http://schemas.microsoft.com/office/drawing/2014/main" id="{7C4F12BC-1512-4BDB-8D7C-0BCD19A54DFE}"/>
-              </a:ext>
-            </a:extLst>
-          </p:cNvPr>
-          <p:cNvSpPr/>
-          <p:nvPr/>
-        </p:nvSpPr>
-        <p:spPr>
-          <a:xfrm>
-            <a:off x="6851504" y="-92736"/>
-            <a:ext cx="1093635" cy="461538"/>
-          </a:xfrm>
-          <a:prstGeom prst="rect">
-            <a:avLst/>
-          </a:prstGeom>
-          <a:solidFill>
-            <a:srgbClr val="7030A0"/>
-          </a:solidFill>
-          <a:ln w="19050">
-            <a:solidFill>
-              <a:srgbClr val="7030A0"/>
-            </a:solidFill>
-          </a:ln>
-          <a:effectLst/>
-        </p:spPr>
-        <p:style>
-          <a:lnRef idx="1">
-            <a:schemeClr val="accent2"/>
-          </a:lnRef>
-          <a:fillRef idx="2">
-            <a:schemeClr val="accent2"/>
-          </a:fillRef>
-          <a:effectRef idx="1">
-            <a:schemeClr val="accent2"/>
-          </a:effectRef>
-          <a:fontRef idx="minor">
-            <a:schemeClr val="dk1"/>
-          </a:fontRef>
-        </p:style>
-        <p:txBody>
-          <a:bodyPr rtlCol="0" anchor="ctr"/>
-          <a:lstStyle/>
-          <a:p>
-            <a:pPr algn="ctr"/>
-            <a:r>
-              <a:rPr lang="en-US" sz="1600" dirty="0">
+              <a:rPr lang="en-US" dirty="0" err="1">
                 <a:solidFill>
-                  <a:schemeClr val="bg1"/>
+                  <a:srgbClr val="7030A0"/>
                 </a:solidFill>
               </a:rPr>
-              <a:t>:Model</a:t>
-            </a:r>
-            <a:endParaRPr lang="en-SG" sz="1600" dirty="0">
-              <a:solidFill>
-                <a:schemeClr val="bg1"/>
-              </a:solidFill>
-            </a:endParaRPr>
-          </a:p>
-        </p:txBody>
-      </p:sp>
-      <p:cxnSp>
-        <p:nvCxnSpPr>
-          <p:cNvPr id="116" name="Straight Arrow Connector 24">
-            <a:extLst>
-              <a:ext uri="{FF2B5EF4-FFF2-40B4-BE49-F238E27FC236}">
-                <a16:creationId xmlns:a16="http://schemas.microsoft.com/office/drawing/2014/main" id="{A8334C95-CE20-45EE-86A6-7AFBF7E5289F}"/>
-              </a:ext>
-            </a:extLst>
-          </p:cNvPr>
-          <p:cNvCxnSpPr>
-            <a:cxnSpLocks/>
-          </p:cNvCxnSpPr>
-          <p:nvPr/>
-        </p:nvCxnSpPr>
-        <p:spPr>
-          <a:xfrm>
-            <a:off x="5173012" y="1935142"/>
-            <a:ext cx="2128239" cy="1"/>
-          </a:xfrm>
-          <a:prstGeom prst="straightConnector1">
-            <a:avLst/>
-          </a:prstGeom>
-          <a:ln w="19050">
-            <a:solidFill>
-              <a:srgbClr val="0070C0"/>
-            </a:solidFill>
-            <a:tailEnd type="arrow"/>
-          </a:ln>
-        </p:spPr>
-        <p:style>
-          <a:lnRef idx="1">
-            <a:schemeClr val="accent1"/>
-          </a:lnRef>
-          <a:fillRef idx="0">
-            <a:schemeClr val="accent1"/>
-          </a:fillRef>
-          <a:effectRef idx="0">
-            <a:schemeClr val="accent1"/>
-          </a:effectRef>
-          <a:fontRef idx="minor">
-            <a:schemeClr val="tx1"/>
-          </a:fontRef>
-        </p:style>
-      </p:cxnSp>
-      <p:sp>
-        <p:nvSpPr>
-          <p:cNvPr id="117" name="TextBox 79">
-            <a:extLst>
-              <a:ext uri="{FF2B5EF4-FFF2-40B4-BE49-F238E27FC236}">
-                <a16:creationId xmlns:a16="http://schemas.microsoft.com/office/drawing/2014/main" id="{587B3915-431A-4AF9-9841-BA9EA33E0C8C}"/>
+              <a:t>getRecordSummary</a:t>
+            </a:r>
+            <a:r>
+              <a:rPr lang="en-US" dirty="0">
+                <a:solidFill>
+                  <a:srgbClr val="7030A0"/>
+                </a:solidFill>
+              </a:rPr>
+              <a:t>()</a:t>
+            </a:r>
+          </a:p>
+        </p:txBody>
+      </p:sp>
+      <p:sp>
+        <p:nvSpPr>
+          <p:cNvPr id="60" name="TextBox 79">
+            <a:extLst>
+              <a:ext uri="{FF2B5EF4-FFF2-40B4-BE49-F238E27FC236}">
+                <a16:creationId xmlns:a16="http://schemas.microsoft.com/office/drawing/2014/main" id="{E033AD41-339E-4BC4-9D9E-A9420197E42A}"/>
               </a:ext>
             </a:extLst>
           </p:cNvPr>
@@ -5700,7 +5979,7 @@
         </p:nvSpPr>
         <p:spPr>
           <a:xfrm>
-            <a:off x="5241716" y="1719698"/>
+            <a:off x="5356777" y="1575753"/>
             <a:ext cx="1661635" cy="215444"/>
           </a:xfrm>
           <a:prstGeom prst="rect">
@@ -5726,45 +6005,293 @@
           </a:lstStyle>
           <a:p>
             <a:r>
-              <a:rPr lang="en-US" dirty="0" err="1"/>
-              <a:t>getCategoryBudget</a:t>
-            </a:r>
-            <a:r>
-              <a:rPr lang="en-US" dirty="0"/>
+              <a:rPr lang="en-US" dirty="0" err="1">
+                <a:solidFill>
+                  <a:srgbClr val="7030A0"/>
+                </a:solidFill>
+              </a:rPr>
+              <a:t>getSummaryPeriod</a:t>
+            </a:r>
+            <a:r>
+              <a:rPr lang="en-US" dirty="0">
+                <a:solidFill>
+                  <a:srgbClr val="7030A0"/>
+                </a:solidFill>
+              </a:rPr>
               <a:t>()</a:t>
+            </a:r>
+          </a:p>
+        </p:txBody>
+      </p:sp>
+      <p:sp>
+        <p:nvSpPr>
+          <p:cNvPr id="61" name="TextBox 79">
+            <a:extLst>
+              <a:ext uri="{FF2B5EF4-FFF2-40B4-BE49-F238E27FC236}">
+                <a16:creationId xmlns:a16="http://schemas.microsoft.com/office/drawing/2014/main" id="{F7240455-7D56-49A1-8498-480712F5CD21}"/>
+              </a:ext>
+            </a:extLst>
+          </p:cNvPr>
+          <p:cNvSpPr txBox="1"/>
+          <p:nvPr/>
+        </p:nvSpPr>
+        <p:spPr>
+          <a:xfrm>
+            <a:off x="5354362" y="2585044"/>
+            <a:ext cx="1661635" cy="215444"/>
+          </a:xfrm>
+          <a:prstGeom prst="rect">
+            <a:avLst/>
+          </a:prstGeom>
+          <a:noFill/>
+        </p:spPr>
+        <p:txBody>
+          <a:bodyPr wrap="square" lIns="0" tIns="0" rIns="0" bIns="0" rtlCol="0">
+            <a:spAutoFit/>
+          </a:bodyPr>
+          <a:lstStyle>
+            <a:defPPr>
+              <a:defRPr lang="en-US"/>
+            </a:defPPr>
+            <a:lvl1pPr algn="r">
+              <a:defRPr sz="1400">
+                <a:solidFill>
+                  <a:srgbClr val="0070C0"/>
+                </a:solidFill>
+              </a:defRPr>
+            </a:lvl1pPr>
+          </a:lstStyle>
+          <a:p>
+            <a:r>
+              <a:rPr lang="en-US" dirty="0" err="1">
+                <a:solidFill>
+                  <a:srgbClr val="7030A0"/>
+                </a:solidFill>
+              </a:rPr>
+              <a:t>getPeriodAmount</a:t>
+            </a:r>
+            <a:r>
+              <a:rPr lang="en-US" dirty="0">
+                <a:solidFill>
+                  <a:srgbClr val="7030A0"/>
+                </a:solidFill>
+              </a:rPr>
+              <a:t>()</a:t>
+            </a:r>
+          </a:p>
+        </p:txBody>
+      </p:sp>
+      <p:sp>
+        <p:nvSpPr>
+          <p:cNvPr id="68" name="Rectangle: Single Corner Snipped 67">
+            <a:extLst>
+              <a:ext uri="{FF2B5EF4-FFF2-40B4-BE49-F238E27FC236}">
+                <a16:creationId xmlns:a16="http://schemas.microsoft.com/office/drawing/2014/main" id="{DF2312A4-1B3F-4360-B08C-E7342B9D9FCE}"/>
+              </a:ext>
+            </a:extLst>
+          </p:cNvPr>
+          <p:cNvSpPr/>
+          <p:nvPr/>
+        </p:nvSpPr>
+        <p:spPr>
+          <a:xfrm flipV="1">
+            <a:off x="4252486" y="5056696"/>
+            <a:ext cx="600220" cy="356504"/>
+          </a:xfrm>
+          <a:prstGeom prst="snip1Rect">
+            <a:avLst>
+              <a:gd name="adj" fmla="val 43871"/>
+            </a:avLst>
+          </a:prstGeom>
+          <a:noFill/>
+          <a:ln w="28575">
+            <a:solidFill>
+              <a:srgbClr val="FF0000"/>
+            </a:solidFill>
+          </a:ln>
+        </p:spPr>
+        <p:style>
+          <a:lnRef idx="2">
+            <a:schemeClr val="accent1">
+              <a:shade val="50000"/>
+            </a:schemeClr>
+          </a:lnRef>
+          <a:fillRef idx="1">
+            <a:schemeClr val="accent1"/>
+          </a:fillRef>
+          <a:effectRef idx="0">
+            <a:schemeClr val="accent1"/>
+          </a:effectRef>
+          <a:fontRef idx="minor">
+            <a:schemeClr val="lt1"/>
+          </a:fontRef>
+        </p:style>
+        <p:txBody>
+          <a:bodyPr rtlCol="0" anchor="ctr"/>
+          <a:lstStyle/>
+          <a:p>
+            <a:pPr algn="ctr"/>
+            <a:endParaRPr lang="en-SG">
+              <a:solidFill>
+                <a:schemeClr val="tx1"/>
+              </a:solidFill>
+            </a:endParaRPr>
+          </a:p>
+        </p:txBody>
+      </p:sp>
+      <p:sp>
+        <p:nvSpPr>
+          <p:cNvPr id="69" name="Rectangle 68">
+            <a:extLst>
+              <a:ext uri="{FF2B5EF4-FFF2-40B4-BE49-F238E27FC236}">
+                <a16:creationId xmlns:a16="http://schemas.microsoft.com/office/drawing/2014/main" id="{1F78E1DF-E84E-47C8-9A07-F6EC3F7F39D6}"/>
+              </a:ext>
+            </a:extLst>
+          </p:cNvPr>
+          <p:cNvSpPr/>
+          <p:nvPr/>
+        </p:nvSpPr>
+        <p:spPr>
+          <a:xfrm>
+            <a:off x="4252487" y="5050076"/>
+            <a:ext cx="2588909" cy="1988100"/>
+          </a:xfrm>
+          <a:prstGeom prst="rect">
+            <a:avLst/>
+          </a:prstGeom>
+          <a:noFill/>
+          <a:ln w="28575">
+            <a:solidFill>
+              <a:srgbClr val="FF0000"/>
+            </a:solidFill>
+          </a:ln>
+        </p:spPr>
+        <p:style>
+          <a:lnRef idx="2">
+            <a:schemeClr val="accent1">
+              <a:shade val="50000"/>
+            </a:schemeClr>
+          </a:lnRef>
+          <a:fillRef idx="1">
+            <a:schemeClr val="accent1"/>
+          </a:fillRef>
+          <a:effectRef idx="0">
+            <a:schemeClr val="accent1"/>
+          </a:effectRef>
+          <a:fontRef idx="minor">
+            <a:schemeClr val="lt1"/>
+          </a:fontRef>
+        </p:style>
+        <p:txBody>
+          <a:bodyPr rtlCol="0" anchor="ctr"/>
+          <a:lstStyle/>
+          <a:p>
+            <a:pPr algn="ctr"/>
+            <a:endParaRPr lang="en-SG"/>
+          </a:p>
+        </p:txBody>
+      </p:sp>
+      <p:sp>
+        <p:nvSpPr>
+          <p:cNvPr id="70" name="TextBox 69">
+            <a:extLst>
+              <a:ext uri="{FF2B5EF4-FFF2-40B4-BE49-F238E27FC236}">
+                <a16:creationId xmlns:a16="http://schemas.microsoft.com/office/drawing/2014/main" id="{D81013C9-7837-4449-8CCE-A9B89B71FEC3}"/>
+              </a:ext>
+            </a:extLst>
+          </p:cNvPr>
+          <p:cNvSpPr txBox="1"/>
+          <p:nvPr/>
+        </p:nvSpPr>
+        <p:spPr>
+          <a:xfrm>
+            <a:off x="4277790" y="5077753"/>
+            <a:ext cx="483765" cy="338554"/>
+          </a:xfrm>
+          <a:prstGeom prst="rect">
+            <a:avLst/>
+          </a:prstGeom>
+          <a:noFill/>
+        </p:spPr>
+        <p:txBody>
+          <a:bodyPr wrap="square" rtlCol="0">
+            <a:spAutoFit/>
+          </a:bodyPr>
+          <a:lstStyle/>
+          <a:p>
+            <a:r>
+              <a:rPr lang="en-SG" sz="1600" dirty="0"/>
+              <a:t>Alt</a:t>
+            </a:r>
+          </a:p>
+        </p:txBody>
+      </p:sp>
+      <p:sp>
+        <p:nvSpPr>
+          <p:cNvPr id="71" name="Rectangle 70">
+            <a:extLst>
+              <a:ext uri="{FF2B5EF4-FFF2-40B4-BE49-F238E27FC236}">
+                <a16:creationId xmlns:a16="http://schemas.microsoft.com/office/drawing/2014/main" id="{D1920E59-5B5D-4BEF-9989-454E7F07C1C9}"/>
+              </a:ext>
+            </a:extLst>
+          </p:cNvPr>
+          <p:cNvSpPr/>
+          <p:nvPr/>
+        </p:nvSpPr>
+        <p:spPr>
+          <a:xfrm>
+            <a:off x="5033234" y="5046698"/>
+            <a:ext cx="784125" cy="276999"/>
+          </a:xfrm>
+          <a:prstGeom prst="rect">
+            <a:avLst/>
+          </a:prstGeom>
+        </p:spPr>
+        <p:txBody>
+          <a:bodyPr wrap="none">
+            <a:spAutoFit/>
+          </a:bodyPr>
+          <a:lstStyle/>
+          <a:p>
+            <a:r>
+              <a:rPr lang="en-SG" sz="1200" dirty="0">
+                <a:solidFill>
+                  <a:srgbClr val="FF0000"/>
+                </a:solidFill>
+              </a:rPr>
+              <a:t>[No Data]</a:t>
             </a:r>
           </a:p>
         </p:txBody>
       </p:sp>
       <p:cxnSp>
         <p:nvCxnSpPr>
-          <p:cNvPr id="118" name="Straight Arrow Connector 51">
-            <a:extLst>
-              <a:ext uri="{FF2B5EF4-FFF2-40B4-BE49-F238E27FC236}">
-                <a16:creationId xmlns:a16="http://schemas.microsoft.com/office/drawing/2014/main" id="{C4536627-1E6D-4B52-90EC-2809E11088BC}"/>
+          <p:cNvPr id="72" name="Straight Connector 71">
+            <a:extLst>
+              <a:ext uri="{FF2B5EF4-FFF2-40B4-BE49-F238E27FC236}">
+                <a16:creationId xmlns:a16="http://schemas.microsoft.com/office/drawing/2014/main" id="{EA690318-B322-4124-8AB4-A535B7A0B8BE}"/>
               </a:ext>
             </a:extLst>
           </p:cNvPr>
           <p:cNvCxnSpPr>
             <a:cxnSpLocks/>
+            <a:stCxn id="69" idx="1"/>
+            <a:endCxn id="69" idx="3"/>
           </p:cNvCxnSpPr>
           <p:nvPr/>
         </p:nvCxnSpPr>
         <p:spPr>
           <a:xfrm>
-            <a:off x="5198697" y="1332888"/>
-            <a:ext cx="2236436" cy="0"/>
-          </a:xfrm>
-          <a:prstGeom prst="straightConnector1">
+            <a:off x="4252487" y="6044126"/>
+            <a:ext cx="2588909" cy="0"/>
+          </a:xfrm>
+          <a:prstGeom prst="line">
             <a:avLst/>
           </a:prstGeom>
-          <a:ln w="19050">
+          <a:ln w="28575">
             <a:solidFill>
-              <a:srgbClr val="7030A0"/>
+              <a:srgbClr val="FF0000"/>
             </a:solidFill>
-            <a:prstDash val="sysDash"/>
-            <a:headEnd type="arrow" w="med" len="med"/>
-            <a:tailEnd type="none" w="med" len="med"/>
           </a:ln>
         </p:spPr>
         <p:style>
@@ -5784,10 +6311,10 @@
       </p:cxnSp>
       <p:sp>
         <p:nvSpPr>
-          <p:cNvPr id="119" name="Rectangle 48">
-            <a:extLst>
-              <a:ext uri="{FF2B5EF4-FFF2-40B4-BE49-F238E27FC236}">
-                <a16:creationId xmlns:a16="http://schemas.microsoft.com/office/drawing/2014/main" id="{13AA4CFD-5165-484E-BB5A-A8C56B2EBD8A}"/>
+          <p:cNvPr id="73" name="Rectangle 72">
+            <a:extLst>
+              <a:ext uri="{FF2B5EF4-FFF2-40B4-BE49-F238E27FC236}">
+                <a16:creationId xmlns:a16="http://schemas.microsoft.com/office/drawing/2014/main" id="{45A12468-5F12-410D-A89F-15A9C5F6F3DC}"/>
               </a:ext>
             </a:extLst>
           </p:cNvPr>
@@ -5796,18 +6323,100 @@
         </p:nvSpPr>
         <p:spPr>
           <a:xfrm>
-            <a:off x="7315896" y="1916454"/>
-            <a:ext cx="207920" cy="575169"/>
+            <a:off x="5066211" y="6032235"/>
+            <a:ext cx="527709" cy="276999"/>
+          </a:xfrm>
+          <a:prstGeom prst="rect">
+            <a:avLst/>
+          </a:prstGeom>
+        </p:spPr>
+        <p:txBody>
+          <a:bodyPr wrap="none">
+            <a:spAutoFit/>
+          </a:bodyPr>
+          <a:lstStyle/>
+          <a:p>
+            <a:r>
+              <a:rPr lang="en-SG" sz="1200" dirty="0">
+                <a:solidFill>
+                  <a:srgbClr val="FF0000"/>
+                </a:solidFill>
+              </a:rPr>
+              <a:t>[else]</a:t>
+            </a:r>
+          </a:p>
+        </p:txBody>
+      </p:sp>
+      <p:cxnSp>
+        <p:nvCxnSpPr>
+          <p:cNvPr id="74" name="Straight Arrow Connector 61">
+            <a:extLst>
+              <a:ext uri="{FF2B5EF4-FFF2-40B4-BE49-F238E27FC236}">
+                <a16:creationId xmlns:a16="http://schemas.microsoft.com/office/drawing/2014/main" id="{76F5B41C-8A06-4EE8-9C6F-E1A7E8C4E46E}"/>
+              </a:ext>
+            </a:extLst>
+          </p:cNvPr>
+          <p:cNvCxnSpPr>
+            <a:cxnSpLocks/>
+          </p:cNvCxnSpPr>
+          <p:nvPr/>
+        </p:nvCxnSpPr>
+        <p:spPr>
+          <a:xfrm flipV="1">
+            <a:off x="5088397" y="5708784"/>
+            <a:ext cx="1984200" cy="1"/>
+          </a:xfrm>
+          <a:prstGeom prst="straightConnector1">
+            <a:avLst/>
+          </a:prstGeom>
+          <a:ln w="19050">
+            <a:solidFill>
+              <a:srgbClr val="00B050"/>
+            </a:solidFill>
+            <a:tailEnd type="arrow"/>
+          </a:ln>
+        </p:spPr>
+        <p:style>
+          <a:lnRef idx="1">
+            <a:schemeClr val="accent1"/>
+          </a:lnRef>
+          <a:fillRef idx="0">
+            <a:schemeClr val="accent1"/>
+          </a:fillRef>
+          <a:effectRef idx="0">
+            <a:schemeClr val="accent1"/>
+          </a:effectRef>
+          <a:fontRef idx="minor">
+            <a:schemeClr val="tx1"/>
+          </a:fontRef>
+        </p:style>
+      </p:cxnSp>
+      <p:sp>
+        <p:nvSpPr>
+          <p:cNvPr id="75" name="Rectangle 17">
+            <a:extLst>
+              <a:ext uri="{FF2B5EF4-FFF2-40B4-BE49-F238E27FC236}">
+                <a16:creationId xmlns:a16="http://schemas.microsoft.com/office/drawing/2014/main" id="{9FAFEC2E-70D0-4E37-99B0-A19B236361C6}"/>
+              </a:ext>
+            </a:extLst>
+          </p:cNvPr>
+          <p:cNvSpPr/>
+          <p:nvPr/>
+        </p:nvSpPr>
+        <p:spPr>
+          <a:xfrm>
+            <a:off x="7064673" y="5708909"/>
+            <a:ext cx="224057" cy="187220"/>
           </a:xfrm>
           <a:prstGeom prst="rect">
             <a:avLst/>
           </a:prstGeom>
           <a:solidFill>
-            <a:srgbClr val="7030A0"/>
+            <a:srgbClr val="00B050"/>
           </a:solidFill>
           <a:ln>
             <a:solidFill>
-              <a:srgbClr val="7030A0"/>
+              <a:srgbClr val="00B050"/>
             </a:solidFill>
           </a:ln>
           <a:effectLst/>
@@ -5832,6 +6441,377 @@
           <a:p>
             <a:pPr algn="ctr"/>
             <a:endParaRPr lang="en-SG" sz="1400" dirty="0"/>
+          </a:p>
+        </p:txBody>
+      </p:sp>
+      <p:sp>
+        <p:nvSpPr>
+          <p:cNvPr id="77" name="TextBox 28">
+            <a:extLst>
+              <a:ext uri="{FF2B5EF4-FFF2-40B4-BE49-F238E27FC236}">
+                <a16:creationId xmlns:a16="http://schemas.microsoft.com/office/drawing/2014/main" id="{820F9E68-4E63-4FEA-AED0-FDF70FAEB4D1}"/>
+              </a:ext>
+            </a:extLst>
+          </p:cNvPr>
+          <p:cNvSpPr txBox="1"/>
+          <p:nvPr/>
+        </p:nvSpPr>
+        <p:spPr>
+          <a:xfrm>
+            <a:off x="5226738" y="5482918"/>
+            <a:ext cx="1466037" cy="215444"/>
+          </a:xfrm>
+          <a:prstGeom prst="rect">
+            <a:avLst/>
+          </a:prstGeom>
+          <a:noFill/>
+        </p:spPr>
+        <p:txBody>
+          <a:bodyPr wrap="square" lIns="0" tIns="0" rIns="0" bIns="0" rtlCol="0">
+            <a:spAutoFit/>
+          </a:bodyPr>
+          <a:lstStyle>
+            <a:defPPr>
+              <a:defRPr lang="en-US"/>
+            </a:defPPr>
+            <a:lvl1pPr algn="r">
+              <a:defRPr sz="1400">
+                <a:solidFill>
+                  <a:srgbClr val="0070C0"/>
+                </a:solidFill>
+              </a:defRPr>
+            </a:lvl1pPr>
+          </a:lstStyle>
+          <a:p>
+            <a:r>
+              <a:rPr lang="en-US" dirty="0" err="1">
+                <a:solidFill>
+                  <a:srgbClr val="00B050"/>
+                </a:solidFill>
+              </a:rPr>
+              <a:t>getChildren</a:t>
+            </a:r>
+            <a:r>
+              <a:rPr lang="en-US" dirty="0">
+                <a:solidFill>
+                  <a:srgbClr val="00B050"/>
+                </a:solidFill>
+              </a:rPr>
+              <a:t>().add()</a:t>
+            </a:r>
+          </a:p>
+        </p:txBody>
+      </p:sp>
+      <p:cxnSp>
+        <p:nvCxnSpPr>
+          <p:cNvPr id="78" name="Straight Arrow Connector 61">
+            <a:extLst>
+              <a:ext uri="{FF2B5EF4-FFF2-40B4-BE49-F238E27FC236}">
+                <a16:creationId xmlns:a16="http://schemas.microsoft.com/office/drawing/2014/main" id="{26847921-E3D6-493B-8CE7-34BE1CACC40A}"/>
+              </a:ext>
+            </a:extLst>
+          </p:cNvPr>
+          <p:cNvCxnSpPr>
+            <a:cxnSpLocks/>
+          </p:cNvCxnSpPr>
+          <p:nvPr/>
+        </p:nvCxnSpPr>
+        <p:spPr>
+          <a:xfrm flipV="1">
+            <a:off x="5094640" y="6801641"/>
+            <a:ext cx="1984200" cy="1"/>
+          </a:xfrm>
+          <a:prstGeom prst="straightConnector1">
+            <a:avLst/>
+          </a:prstGeom>
+          <a:ln w="19050">
+            <a:solidFill>
+              <a:srgbClr val="00B050"/>
+            </a:solidFill>
+            <a:tailEnd type="arrow"/>
+          </a:ln>
+        </p:spPr>
+        <p:style>
+          <a:lnRef idx="1">
+            <a:schemeClr val="accent1"/>
+          </a:lnRef>
+          <a:fillRef idx="0">
+            <a:schemeClr val="accent1"/>
+          </a:fillRef>
+          <a:effectRef idx="0">
+            <a:schemeClr val="accent1"/>
+          </a:effectRef>
+          <a:fontRef idx="minor">
+            <a:schemeClr val="tx1"/>
+          </a:fontRef>
+        </p:style>
+      </p:cxnSp>
+      <p:sp>
+        <p:nvSpPr>
+          <p:cNvPr id="80" name="Rectangle 17">
+            <a:extLst>
+              <a:ext uri="{FF2B5EF4-FFF2-40B4-BE49-F238E27FC236}">
+                <a16:creationId xmlns:a16="http://schemas.microsoft.com/office/drawing/2014/main" id="{4C6E0D86-CBF0-4BF8-BE9F-197D2FA80235}"/>
+              </a:ext>
+            </a:extLst>
+          </p:cNvPr>
+          <p:cNvSpPr/>
+          <p:nvPr/>
+        </p:nvSpPr>
+        <p:spPr>
+          <a:xfrm>
+            <a:off x="7070916" y="6801766"/>
+            <a:ext cx="224057" cy="187220"/>
+          </a:xfrm>
+          <a:prstGeom prst="rect">
+            <a:avLst/>
+          </a:prstGeom>
+          <a:solidFill>
+            <a:srgbClr val="00B050"/>
+          </a:solidFill>
+          <a:ln>
+            <a:solidFill>
+              <a:srgbClr val="00B050"/>
+            </a:solidFill>
+          </a:ln>
+          <a:effectLst/>
+        </p:spPr>
+        <p:style>
+          <a:lnRef idx="1">
+            <a:schemeClr val="accent3"/>
+          </a:lnRef>
+          <a:fillRef idx="2">
+            <a:schemeClr val="accent3"/>
+          </a:fillRef>
+          <a:effectRef idx="1">
+            <a:schemeClr val="accent3"/>
+          </a:effectRef>
+          <a:fontRef idx="minor">
+            <a:schemeClr val="dk1"/>
+          </a:fontRef>
+        </p:style>
+        <p:txBody>
+          <a:bodyPr rtlCol="0" anchor="ctr"/>
+          <a:lstStyle/>
+          <a:p>
+            <a:pPr algn="ctr"/>
+            <a:endParaRPr lang="en-SG" sz="1400" dirty="0"/>
+          </a:p>
+        </p:txBody>
+      </p:sp>
+      <p:sp>
+        <p:nvSpPr>
+          <p:cNvPr id="82" name="TextBox 28">
+            <a:extLst>
+              <a:ext uri="{FF2B5EF4-FFF2-40B4-BE49-F238E27FC236}">
+                <a16:creationId xmlns:a16="http://schemas.microsoft.com/office/drawing/2014/main" id="{01CC01DC-D6C1-4832-9FE8-EEEC73327B2C}"/>
+              </a:ext>
+            </a:extLst>
+          </p:cNvPr>
+          <p:cNvSpPr txBox="1"/>
+          <p:nvPr/>
+        </p:nvSpPr>
+        <p:spPr>
+          <a:xfrm>
+            <a:off x="5232981" y="6575775"/>
+            <a:ext cx="1466037" cy="215444"/>
+          </a:xfrm>
+          <a:prstGeom prst="rect">
+            <a:avLst/>
+          </a:prstGeom>
+          <a:noFill/>
+        </p:spPr>
+        <p:txBody>
+          <a:bodyPr wrap="square" lIns="0" tIns="0" rIns="0" bIns="0" rtlCol="0">
+            <a:spAutoFit/>
+          </a:bodyPr>
+          <a:lstStyle>
+            <a:defPPr>
+              <a:defRPr lang="en-US"/>
+            </a:defPPr>
+            <a:lvl1pPr algn="r">
+              <a:defRPr sz="1400">
+                <a:solidFill>
+                  <a:srgbClr val="0070C0"/>
+                </a:solidFill>
+              </a:defRPr>
+            </a:lvl1pPr>
+          </a:lstStyle>
+          <a:p>
+            <a:r>
+              <a:rPr lang="en-US" dirty="0" err="1">
+                <a:solidFill>
+                  <a:srgbClr val="00B050"/>
+                </a:solidFill>
+              </a:rPr>
+              <a:t>getChildren</a:t>
+            </a:r>
+            <a:r>
+              <a:rPr lang="en-US" dirty="0">
+                <a:solidFill>
+                  <a:srgbClr val="00B050"/>
+                </a:solidFill>
+              </a:rPr>
+              <a:t>().add()</a:t>
+            </a:r>
+          </a:p>
+        </p:txBody>
+      </p:sp>
+      <p:sp>
+        <p:nvSpPr>
+          <p:cNvPr id="83" name="Rectangle 17">
+            <a:extLst>
+              <a:ext uri="{FF2B5EF4-FFF2-40B4-BE49-F238E27FC236}">
+                <a16:creationId xmlns:a16="http://schemas.microsoft.com/office/drawing/2014/main" id="{0C9E13C8-E20F-4258-AA45-001222329AA5}"/>
+              </a:ext>
+            </a:extLst>
+          </p:cNvPr>
+          <p:cNvSpPr/>
+          <p:nvPr/>
+        </p:nvSpPr>
+        <p:spPr>
+          <a:xfrm>
+            <a:off x="5018709" y="6524393"/>
+            <a:ext cx="119302" cy="284066"/>
+          </a:xfrm>
+          <a:prstGeom prst="rect">
+            <a:avLst/>
+          </a:prstGeom>
+          <a:solidFill>
+            <a:srgbClr val="00B050"/>
+          </a:solidFill>
+          <a:ln w="12700">
+            <a:solidFill>
+              <a:schemeClr val="bg1"/>
+            </a:solidFill>
+          </a:ln>
+          <a:effectLst/>
+        </p:spPr>
+        <p:style>
+          <a:lnRef idx="1">
+            <a:schemeClr val="accent3"/>
+          </a:lnRef>
+          <a:fillRef idx="2">
+            <a:schemeClr val="accent3"/>
+          </a:fillRef>
+          <a:effectRef idx="1">
+            <a:schemeClr val="accent3"/>
+          </a:effectRef>
+          <a:fontRef idx="minor">
+            <a:schemeClr val="dk1"/>
+          </a:fontRef>
+        </p:style>
+        <p:txBody>
+          <a:bodyPr rtlCol="0" anchor="ctr"/>
+          <a:lstStyle/>
+          <a:p>
+            <a:pPr algn="ctr"/>
+            <a:endParaRPr lang="en-SG" sz="1400" dirty="0"/>
+          </a:p>
+        </p:txBody>
+      </p:sp>
+      <p:cxnSp>
+        <p:nvCxnSpPr>
+          <p:cNvPr id="29" name="Connector: Curved 28">
+            <a:extLst>
+              <a:ext uri="{FF2B5EF4-FFF2-40B4-BE49-F238E27FC236}">
+                <a16:creationId xmlns:a16="http://schemas.microsoft.com/office/drawing/2014/main" id="{F8F7C2BA-852A-4609-AC8F-0FFD3149F709}"/>
+              </a:ext>
+            </a:extLst>
+          </p:cNvPr>
+          <p:cNvCxnSpPr>
+            <a:cxnSpLocks/>
+          </p:cNvCxnSpPr>
+          <p:nvPr/>
+        </p:nvCxnSpPr>
+        <p:spPr>
+          <a:xfrm rot="10800000" flipH="1" flipV="1">
+            <a:off x="4928998" y="6369707"/>
+            <a:ext cx="209013" cy="153535"/>
+          </a:xfrm>
+          <a:prstGeom prst="curvedConnector3">
+            <a:avLst>
+              <a:gd name="adj1" fmla="val 198300"/>
+            </a:avLst>
+          </a:prstGeom>
+          <a:ln>
+            <a:solidFill>
+              <a:srgbClr val="00B050"/>
+            </a:solidFill>
+            <a:tailEnd type="triangle"/>
+          </a:ln>
+        </p:spPr>
+        <p:style>
+          <a:lnRef idx="1">
+            <a:schemeClr val="accent1"/>
+          </a:lnRef>
+          <a:fillRef idx="0">
+            <a:schemeClr val="accent1"/>
+          </a:fillRef>
+          <a:effectRef idx="0">
+            <a:schemeClr val="accent1"/>
+          </a:effectRef>
+          <a:fontRef idx="minor">
+            <a:schemeClr val="tx1"/>
+          </a:fontRef>
+        </p:style>
+      </p:cxnSp>
+      <p:sp>
+        <p:nvSpPr>
+          <p:cNvPr id="94" name="TextBox 28">
+            <a:extLst>
+              <a:ext uri="{FF2B5EF4-FFF2-40B4-BE49-F238E27FC236}">
+                <a16:creationId xmlns:a16="http://schemas.microsoft.com/office/drawing/2014/main" id="{86DC1F0E-B234-4DD4-AE1F-71D8E5A673D1}"/>
+              </a:ext>
+            </a:extLst>
+          </p:cNvPr>
+          <p:cNvSpPr txBox="1"/>
+          <p:nvPr/>
+        </p:nvSpPr>
+        <p:spPr>
+          <a:xfrm>
+            <a:off x="5368247" y="6278544"/>
+            <a:ext cx="1364043" cy="169277"/>
+          </a:xfrm>
+          <a:prstGeom prst="rect">
+            <a:avLst/>
+          </a:prstGeom>
+          <a:noFill/>
+        </p:spPr>
+        <p:txBody>
+          <a:bodyPr wrap="square" lIns="0" tIns="0" rIns="0" bIns="0" rtlCol="0">
+            <a:spAutoFit/>
+          </a:bodyPr>
+          <a:lstStyle>
+            <a:defPPr>
+              <a:defRPr lang="en-US"/>
+            </a:defPPr>
+            <a:lvl1pPr algn="r">
+              <a:defRPr sz="1400">
+                <a:solidFill>
+                  <a:srgbClr val="0070C0"/>
+                </a:solidFill>
+              </a:defRPr>
+            </a:lvl1pPr>
+          </a:lstStyle>
+          <a:p>
+            <a:pPr algn="l"/>
+            <a:r>
+              <a:rPr lang="en-US" sz="1100" dirty="0" err="1">
+                <a:solidFill>
+                  <a:srgbClr val="00B050"/>
+                </a:solidFill>
+              </a:rPr>
+              <a:t>setSummaryData</a:t>
+            </a:r>
+            <a:r>
+              <a:rPr lang="en-US" sz="1100" dirty="0">
+                <a:solidFill>
+                  <a:srgbClr val="00B050"/>
+                </a:solidFill>
+              </a:rPr>
+              <a:t>()</a:t>
+            </a:r>
           </a:p>
         </p:txBody>
       </p:sp>

--- a/docs/diagrams/SummarySequenceDiagram2.pptx
+++ b/docs/diagrams/SummarySequenceDiagram2.pptx
@@ -197,7 +197,7 @@
           <a:p>
             <a:fld id="{8CC2A4DC-75EB-46D4-9B4A-352FC9F115CD}" type="datetimeFigureOut">
               <a:rPr lang="en-US" smtClean="0"/>
-              <a:t>4/13/2019</a:t>
+              <a:t>4/14/2019</a:t>
             </a:fld>
             <a:endParaRPr lang="en-US" dirty="0"/>
           </a:p>
@@ -611,7 +611,7 @@
           <a:p>
             <a:fld id="{C17442BA-8611-45A4-B205-589CF9359DD4}" type="datetimeFigureOut">
               <a:rPr lang="en-US" smtClean="0"/>
-              <a:t>4/13/2019</a:t>
+              <a:t>4/14/2019</a:t>
             </a:fld>
             <a:endParaRPr lang="en-US" dirty="0"/>
           </a:p>
@@ -809,7 +809,7 @@
           <a:p>
             <a:fld id="{C17442BA-8611-45A4-B205-589CF9359DD4}" type="datetimeFigureOut">
               <a:rPr lang="en-US" smtClean="0"/>
-              <a:t>4/13/2019</a:t>
+              <a:t>4/14/2019</a:t>
             </a:fld>
             <a:endParaRPr lang="en-US" dirty="0"/>
           </a:p>
@@ -1017,7 +1017,7 @@
           <a:p>
             <a:fld id="{C17442BA-8611-45A4-B205-589CF9359DD4}" type="datetimeFigureOut">
               <a:rPr lang="en-US" smtClean="0"/>
-              <a:t>4/13/2019</a:t>
+              <a:t>4/14/2019</a:t>
             </a:fld>
             <a:endParaRPr lang="en-US" dirty="0"/>
           </a:p>
@@ -1215,7 +1215,7 @@
           <a:p>
             <a:fld id="{C17442BA-8611-45A4-B205-589CF9359DD4}" type="datetimeFigureOut">
               <a:rPr lang="en-US" smtClean="0"/>
-              <a:t>4/13/2019</a:t>
+              <a:t>4/14/2019</a:t>
             </a:fld>
             <a:endParaRPr lang="en-US" dirty="0"/>
           </a:p>
@@ -1490,7 +1490,7 @@
           <a:p>
             <a:fld id="{C17442BA-8611-45A4-B205-589CF9359DD4}" type="datetimeFigureOut">
               <a:rPr lang="en-US" smtClean="0"/>
-              <a:t>4/13/2019</a:t>
+              <a:t>4/14/2019</a:t>
             </a:fld>
             <a:endParaRPr lang="en-US" dirty="0"/>
           </a:p>
@@ -1755,7 +1755,7 @@
           <a:p>
             <a:fld id="{C17442BA-8611-45A4-B205-589CF9359DD4}" type="datetimeFigureOut">
               <a:rPr lang="en-US" smtClean="0"/>
-              <a:t>4/13/2019</a:t>
+              <a:t>4/14/2019</a:t>
             </a:fld>
             <a:endParaRPr lang="en-US" dirty="0"/>
           </a:p>
@@ -2167,7 +2167,7 @@
           <a:p>
             <a:fld id="{C17442BA-8611-45A4-B205-589CF9359DD4}" type="datetimeFigureOut">
               <a:rPr lang="en-US" smtClean="0"/>
-              <a:t>4/13/2019</a:t>
+              <a:t>4/14/2019</a:t>
             </a:fld>
             <a:endParaRPr lang="en-US" dirty="0"/>
           </a:p>
@@ -2308,7 +2308,7 @@
           <a:p>
             <a:fld id="{C17442BA-8611-45A4-B205-589CF9359DD4}" type="datetimeFigureOut">
               <a:rPr lang="en-US" smtClean="0"/>
-              <a:t>4/13/2019</a:t>
+              <a:t>4/14/2019</a:t>
             </a:fld>
             <a:endParaRPr lang="en-US" dirty="0"/>
           </a:p>
@@ -2421,7 +2421,7 @@
           <a:p>
             <a:fld id="{C17442BA-8611-45A4-B205-589CF9359DD4}" type="datetimeFigureOut">
               <a:rPr lang="en-US" smtClean="0"/>
-              <a:t>4/13/2019</a:t>
+              <a:t>4/14/2019</a:t>
             </a:fld>
             <a:endParaRPr lang="en-US" dirty="0"/>
           </a:p>
@@ -2732,7 +2732,7 @@
           <a:p>
             <a:fld id="{C17442BA-8611-45A4-B205-589CF9359DD4}" type="datetimeFigureOut">
               <a:rPr lang="en-US" smtClean="0"/>
-              <a:t>4/13/2019</a:t>
+              <a:t>4/14/2019</a:t>
             </a:fld>
             <a:endParaRPr lang="en-US" dirty="0"/>
           </a:p>
@@ -3020,7 +3020,7 @@
           <a:p>
             <a:fld id="{C17442BA-8611-45A4-B205-589CF9359DD4}" type="datetimeFigureOut">
               <a:rPr lang="en-US" smtClean="0"/>
-              <a:t>4/13/2019</a:t>
+              <a:t>4/14/2019</a:t>
             </a:fld>
             <a:endParaRPr lang="en-US" dirty="0"/>
           </a:p>
@@ -3261,7 +3261,7 @@
           <a:p>
             <a:fld id="{C17442BA-8611-45A4-B205-589CF9359DD4}" type="datetimeFigureOut">
               <a:rPr lang="en-US" smtClean="0"/>
-              <a:t>4/13/2019</a:t>
+              <a:t>4/14/2019</a:t>
             </a:fld>
             <a:endParaRPr lang="en-US" dirty="0"/>
           </a:p>
@@ -3692,8 +3692,8 @@
         </p:nvSpPr>
         <p:spPr>
           <a:xfrm>
-            <a:off x="-449293" y="-1611501"/>
-            <a:ext cx="15284416" cy="11029950"/>
+            <a:off x="-622939" y="-564457"/>
+            <a:ext cx="10768988" cy="8399869"/>
           </a:xfrm>
           <a:prstGeom prst="roundRect">
             <a:avLst>
@@ -3751,7 +3751,7 @@
         <p:spPr>
           <a:xfrm>
             <a:off x="1829378" y="3635478"/>
-            <a:ext cx="6713416" cy="4655156"/>
+            <a:ext cx="6713416" cy="3999325"/>
           </a:xfrm>
           <a:prstGeom prst="roundRect">
             <a:avLst>
@@ -3817,8 +3817,8 @@
         </p:nvSpPr>
         <p:spPr>
           <a:xfrm>
-            <a:off x="1095122" y="-353451"/>
-            <a:ext cx="2728710" cy="8634431"/>
+            <a:off x="1095122" y="-353450"/>
+            <a:ext cx="2728710" cy="7984486"/>
           </a:xfrm>
           <a:prstGeom prst="roundRect">
             <a:avLst>
